--- a/trunk/doc/converter_manual.pptx
+++ b/trunk/doc/converter_manual.pptx
@@ -20,8 +20,8 @@
     <p:sldId id="351" r:id="rId11"/>
     <p:sldId id="320" r:id="rId12"/>
     <p:sldId id="310" r:id="rId13"/>
-    <p:sldId id="316" r:id="rId14"/>
-    <p:sldId id="347" r:id="rId15"/>
+    <p:sldId id="347" r:id="rId14"/>
+    <p:sldId id="316" r:id="rId15"/>
     <p:sldId id="346" r:id="rId16"/>
     <p:sldId id="342" r:id="rId17"/>
     <p:sldId id="345" r:id="rId18"/>
@@ -1057,7 +1057,7 @@
           <a:graphicData uri="http://schemas.openxmlformats.org/presentationml/2006/ole">
             <mc:AlternateContent xmlns:mc="http://schemas.openxmlformats.org/markup-compatibility/2006">
               <mc:Choice xmlns:v="urn:schemas-microsoft-com:vml" Requires="v">
-                <p:oleObj spid="_x0000_s29727" name="Image" r:id="rId3" imgW="12190476" imgH="431594" progId="">
+                <p:oleObj spid="_x0000_s29729" name="Image" r:id="rId3" imgW="12190476" imgH="431594" progId="">
                   <p:embed/>
                 </p:oleObj>
               </mc:Choice>
@@ -3830,7 +3830,7 @@
           <a:graphicData uri="http://schemas.openxmlformats.org/presentationml/2006/ole">
             <mc:AlternateContent xmlns:mc="http://schemas.openxmlformats.org/markup-compatibility/2006">
               <mc:Choice xmlns:v="urn:schemas-microsoft-com:vml" Requires="v">
-                <p:oleObj spid="_x0000_s1061" name="Image" r:id="rId14" imgW="12190476" imgH="431594" progId="">
+                <p:oleObj spid="_x0000_s1063" name="Image" r:id="rId14" imgW="12190476" imgH="431594" progId="">
                   <p:embed/>
                 </p:oleObj>
               </mc:Choice>
@@ -5286,19 +5286,12 @@
           <a:lstStyle/>
           <a:p>
             <a:r>
-              <a:rPr lang="ja-JP" altLang="en-US" smtClean="0"/>
-              <a:t>機能２：</a:t>
-            </a:r>
-            <a:r>
-              <a:rPr lang="en-US" altLang="ja-JP" smtClean="0"/>
-              <a:t/>
-            </a:r>
-            <a:br>
-              <a:rPr lang="en-US" altLang="ja-JP" smtClean="0"/>
-            </a:br>
-            <a:r>
-              <a:rPr lang="ja-JP" altLang="en-US" smtClean="0"/>
-              <a:t>スクリプト拡張機能を用いた外部変換</a:t>
+              <a:rPr lang="ja-JP" altLang="en-US" dirty="0" smtClean="0"/>
+              <a:t>スクリプト</a:t>
+            </a:r>
+            <a:r>
+              <a:rPr lang="ja-JP" altLang="en-US" dirty="0" smtClean="0"/>
+              <a:t>拡張機能を用いた外部変換</a:t>
             </a:r>
           </a:p>
         </p:txBody>
@@ -5429,16 +5422,21 @@
             <p:ph idx="1"/>
           </p:nvPr>
         </p:nvSpPr>
-        <p:spPr/>
+        <p:spPr>
+          <a:xfrm>
+            <a:off x="304800" y="990600"/>
+            <a:ext cx="8659688" cy="5486400"/>
+          </a:xfrm>
+        </p:spPr>
         <p:txBody>
           <a:bodyPr/>
           <a:lstStyle/>
           <a:p>
             <a:r>
-              <a:rPr lang="ja-JP" altLang="en-US" dirty="0" smtClean="0"/>
+              <a:rPr lang="ja-JP" altLang="en-US" sz="2200" dirty="0" smtClean="0"/>
               <a:t>スクリプト拡張機能を用いて外部変換を行うことで，変換速度の向上を実現</a:t>
             </a:r>
-            <a:endParaRPr lang="en-US" altLang="ja-JP" dirty="0" smtClean="0"/>
+            <a:endParaRPr lang="en-US" altLang="ja-JP" sz="2200" dirty="0" smtClean="0"/>
           </a:p>
           <a:p>
             <a:pPr lvl="1"/>
@@ -5448,7 +5446,15 @@
             </a:r>
             <a:r>
               <a:rPr lang="ja-JP" altLang="en-US" dirty="0" smtClean="0"/>
-              <a:t>の実行途中でパイプラインを用いて外部で変換処理を行うことができる．</a:t>
+              <a:t>から外部のプログラムを呼び出して，外部</a:t>
+            </a:r>
+            <a:r>
+              <a:rPr lang="ja-JP" altLang="en-US" dirty="0" smtClean="0"/>
+              <a:t>で変換処理を行うことができる</a:t>
+            </a:r>
+            <a:r>
+              <a:rPr lang="ja-JP" altLang="en-US" dirty="0" smtClean="0"/>
+              <a:t>．</a:t>
             </a:r>
             <a:endParaRPr lang="en-US" altLang="ja-JP" dirty="0" smtClean="0"/>
           </a:p>
@@ -5460,53 +5466,65 @@
             </a:r>
             <a:r>
               <a:rPr lang="ja-JP" altLang="en-US" dirty="0" smtClean="0"/>
+              <a:t>パッケージ付属のサンプル</a:t>
+            </a:r>
+            <a:endParaRPr lang="en-US" altLang="ja-JP" dirty="0" smtClean="0"/>
+          </a:p>
+          <a:p>
+            <a:pPr lvl="2"/>
+            <a:r>
+              <a:rPr lang="en-US" altLang="ja-JP" sz="2200" dirty="0" smtClean="0"/>
+              <a:t>TLV</a:t>
+            </a:r>
+            <a:r>
+              <a:rPr lang="ja-JP" altLang="en-US" sz="2200" dirty="0" smtClean="0"/>
               <a:t>内部の変換を行わず，外部で</a:t>
             </a:r>
             <a:r>
-              <a:rPr lang="en-US" altLang="ja-JP" dirty="0"/>
+              <a:rPr lang="en-US" altLang="ja-JP" sz="2200" dirty="0"/>
               <a:t>R</a:t>
             </a:r>
             <a:r>
-              <a:rPr lang="en-US" altLang="ja-JP" dirty="0" smtClean="0"/>
+              <a:rPr lang="en-US" altLang="ja-JP" sz="2200" dirty="0" smtClean="0"/>
               <a:t>uby</a:t>
             </a:r>
             <a:r>
-              <a:rPr lang="ja-JP" altLang="en-US" dirty="0" smtClean="0"/>
+              <a:rPr lang="ja-JP" altLang="en-US" sz="2200" dirty="0" smtClean="0"/>
               <a:t>スクリプト等を用いて変換</a:t>
             </a:r>
-            <a:endParaRPr lang="en-US" altLang="ja-JP" dirty="0" smtClean="0"/>
-          </a:p>
-          <a:p>
-            <a:pPr lvl="2"/>
-            <a:r>
-              <a:rPr lang="ja-JP" altLang="en-US" dirty="0" smtClean="0"/>
+            <a:endParaRPr lang="en-US" altLang="ja-JP" sz="2200" dirty="0" smtClean="0"/>
+          </a:p>
+          <a:p>
+            <a:pPr lvl="3"/>
+            <a:r>
+              <a:rPr lang="ja-JP" altLang="en-US" sz="2200" dirty="0" smtClean="0"/>
               <a:t>現在，</a:t>
             </a:r>
             <a:r>
-              <a:rPr lang="en-US" altLang="ja-JP" dirty="0" smtClean="0"/>
+              <a:rPr lang="en-US" altLang="ja-JP" sz="2200" dirty="0" smtClean="0"/>
               <a:t>asp</a:t>
             </a:r>
             <a:r>
-              <a:rPr lang="ja-JP" altLang="en-US" dirty="0" smtClean="0"/>
+              <a:rPr lang="ja-JP" altLang="en-US" sz="2200" dirty="0" smtClean="0"/>
               <a:t>と</a:t>
             </a:r>
             <a:r>
-              <a:rPr lang="en-US" altLang="ja-JP" dirty="0" err="1" smtClean="0"/>
+              <a:rPr lang="en-US" altLang="ja-JP" sz="2200" dirty="0" err="1" smtClean="0"/>
               <a:t>fmp</a:t>
             </a:r>
             <a:r>
-              <a:rPr lang="ja-JP" altLang="en-US" dirty="0" smtClean="0"/>
+              <a:rPr lang="ja-JP" altLang="en-US" sz="2200" dirty="0" smtClean="0"/>
               <a:t>用の</a:t>
             </a:r>
             <a:r>
-              <a:rPr lang="en-US" altLang="ja-JP" dirty="0" smtClean="0"/>
+              <a:rPr lang="en-US" altLang="ja-JP" sz="2200" dirty="0" smtClean="0"/>
               <a:t>Ruby</a:t>
             </a:r>
             <a:r>
-              <a:rPr lang="ja-JP" altLang="en-US" dirty="0" smtClean="0"/>
+              <a:rPr lang="ja-JP" altLang="en-US" sz="2200" dirty="0" smtClean="0"/>
               <a:t>スクリプトを用意</a:t>
             </a:r>
-            <a:endParaRPr lang="en-US" altLang="ja-JP" dirty="0" smtClean="0"/>
+            <a:endParaRPr lang="en-US" altLang="ja-JP" sz="2200" dirty="0" smtClean="0"/>
           </a:p>
           <a:p>
             <a:pPr lvl="1"/>
@@ -6622,7 +6640,7 @@
           <a:graphicData uri="http://schemas.openxmlformats.org/presentationml/2006/ole">
             <mc:AlternateContent xmlns:mc="http://schemas.openxmlformats.org/markup-compatibility/2006">
               <mc:Choice xmlns:v="urn:schemas-microsoft-com:vml" Requires="v">
-                <p:oleObj spid="_x0000_s16435" name="Image" r:id="rId3" imgW="5168254" imgH="5155556" progId="">
+                <p:oleObj spid="_x0000_s16437" name="Image" r:id="rId3" imgW="5168254" imgH="5155556" progId="">
                   <p:embed/>
                 </p:oleObj>
               </mc:Choice>
@@ -6743,7 +6761,7 @@
             </a:pPr>
             <a:r>
               <a:rPr lang="ja-JP" altLang="en-US" dirty="0" smtClean="0"/>
-              <a:t>機能２利用のための動作環境の構築</a:t>
+              <a:t>機能２の利用方法</a:t>
             </a:r>
             <a:endParaRPr lang="ja-JP" altLang="en-US" dirty="0"/>
           </a:p>
@@ -6761,223 +6779,49 @@
         </p:nvSpPr>
         <p:spPr/>
         <p:txBody>
-          <a:bodyPr>
-            <a:normAutofit/>
-          </a:bodyPr>
+          <a:bodyPr/>
           <a:lstStyle/>
           <a:p>
-            <a:pPr marL="457200" indent="-457200">
-              <a:buFont typeface="+mj-lt"/>
-              <a:buAutoNum type="arabicPeriod"/>
-            </a:pPr>
-            <a:r>
-              <a:rPr lang="en-US" altLang="ja-JP" dirty="0" smtClean="0"/>
-              <a:t>Ruby</a:t>
-            </a:r>
             <a:r>
               <a:rPr lang="ja-JP" altLang="en-US" dirty="0" smtClean="0"/>
-              <a:t>の</a:t>
-            </a:r>
+              <a:t>手順</a:t>
+            </a:r>
+            <a:endParaRPr lang="en-US" altLang="ja-JP" dirty="0" smtClean="0"/>
+          </a:p>
+          <a:p>
+            <a:pPr lvl="1"/>
+            <a:r>
+              <a:rPr lang="ja-JP" altLang="en-US" dirty="0" smtClean="0"/>
+              <a:t>１：変換ルールとリソースファイルの設定</a:t>
+            </a:r>
+            <a:endParaRPr lang="en-US" altLang="ja-JP" dirty="0" smtClean="0"/>
+          </a:p>
+          <a:p>
+            <a:pPr lvl="2"/>
+            <a:r>
+              <a:rPr lang="ja-JP" altLang="en-US" dirty="0" smtClean="0"/>
+              <a:t>スクリプト拡張機能を用いるようにリソースファイルと変換ルールファイルの設定を行う．</a:t>
+            </a:r>
+            <a:endParaRPr lang="en-US" altLang="ja-JP" dirty="0" smtClean="0"/>
+          </a:p>
+          <a:p>
+            <a:pPr lvl="1"/>
             <a:r>
               <a:rPr lang="ja-JP" altLang="en-US" dirty="0"/>
-              <a:t>準備</a:t>
+              <a:t>２</a:t>
+            </a:r>
+            <a:r>
+              <a:rPr lang="ja-JP" altLang="en-US" dirty="0" smtClean="0"/>
+              <a:t>：ファイルの読み込み</a:t>
             </a:r>
             <a:endParaRPr lang="en-US" altLang="ja-JP" dirty="0" smtClean="0"/>
           </a:p>
           <a:p>
-            <a:pPr marL="811213" lvl="1" indent="-457200"/>
+            <a:pPr lvl="2"/>
             <a:r>
               <a:rPr lang="ja-JP" altLang="en-US" dirty="0" smtClean="0"/>
-              <a:t>下記のページから最新版の</a:t>
-            </a:r>
-            <a:r>
-              <a:rPr lang="en-US" altLang="ja-JP" dirty="0" smtClean="0"/>
-              <a:t>Ruby</a:t>
-            </a:r>
-            <a:r>
-              <a:rPr lang="ja-JP" altLang="en-US" dirty="0" smtClean="0"/>
-              <a:t>をインストール</a:t>
-            </a:r>
-            <a:endParaRPr lang="en-US" altLang="ja-JP" dirty="0" smtClean="0"/>
-          </a:p>
-          <a:p>
-            <a:pPr marL="1173163" lvl="2" indent="-457200"/>
-            <a:r>
-              <a:rPr lang="en-US" altLang="ja-JP" dirty="0" smtClean="0">
-                <a:hlinkClick r:id="rId2"/>
-              </a:rPr>
-              <a:t>http</a:t>
-            </a:r>
-            <a:r>
-              <a:rPr lang="en-US" altLang="ja-JP" dirty="0">
-                <a:hlinkClick r:id="rId2"/>
-              </a:rPr>
-              <a:t>://rubyforge.org/frs/?</a:t>
-            </a:r>
-            <a:r>
-              <a:rPr lang="en-US" altLang="ja-JP" dirty="0" smtClean="0">
-                <a:hlinkClick r:id="rId2"/>
-              </a:rPr>
-              <a:t>group_id=167&amp;release_id=28426</a:t>
-            </a:r>
-            <a:endParaRPr lang="en-US" altLang="ja-JP" dirty="0" smtClean="0"/>
-          </a:p>
-          <a:p>
-            <a:pPr marL="715963" lvl="2" indent="0">
-              <a:buNone/>
-            </a:pPr>
-            <a:r>
-              <a:rPr lang="en-US" altLang="ja-JP" dirty="0" smtClean="0"/>
-              <a:t>※</a:t>
-            </a:r>
-            <a:r>
-              <a:rPr lang="en-US" altLang="ja-JP" dirty="0" err="1" smtClean="0"/>
-              <a:t>Rubygems</a:t>
-            </a:r>
-            <a:r>
-              <a:rPr lang="ja-JP" altLang="en-US" dirty="0" smtClean="0"/>
-              <a:t>を利用します</a:t>
-            </a:r>
-            <a:endParaRPr lang="en-US" altLang="ja-JP" dirty="0" smtClean="0"/>
-          </a:p>
-          <a:p>
-            <a:pPr marL="457200" indent="-457200">
-              <a:buFont typeface="+mj-lt"/>
-              <a:buAutoNum type="arabicPeriod"/>
-            </a:pPr>
-            <a:r>
-              <a:rPr lang="en-US" altLang="ja-JP" dirty="0" err="1" smtClean="0"/>
-              <a:t>Json</a:t>
-            </a:r>
-            <a:r>
-              <a:rPr lang="ja-JP" altLang="en-US" dirty="0"/>
-              <a:t>ライブラリの</a:t>
-            </a:r>
-            <a:r>
-              <a:rPr lang="ja-JP" altLang="en-US" dirty="0" smtClean="0"/>
-              <a:t>インストール</a:t>
-            </a:r>
-            <a:endParaRPr lang="en-US" altLang="ja-JP" dirty="0" smtClean="0"/>
-          </a:p>
-          <a:p>
-            <a:pPr marL="811213" lvl="1" indent="-457200"/>
-            <a:r>
-              <a:rPr lang="ja-JP" altLang="en-US" dirty="0" smtClean="0"/>
-              <a:t>下記</a:t>
-            </a:r>
-            <a:r>
-              <a:rPr lang="en-US" altLang="ja-JP" dirty="0" smtClean="0"/>
-              <a:t>URL</a:t>
-            </a:r>
-            <a:r>
-              <a:rPr lang="ja-JP" altLang="en-US" dirty="0" smtClean="0"/>
-              <a:t>から</a:t>
-            </a:r>
-            <a:r>
-              <a:rPr lang="en-US" altLang="ja-JP" dirty="0" smtClean="0"/>
-              <a:t>Win</a:t>
-            </a:r>
-            <a:r>
-              <a:rPr lang="ja-JP" altLang="en-US" dirty="0" smtClean="0"/>
-              <a:t>用の</a:t>
-            </a:r>
-            <a:r>
-              <a:rPr lang="en-US" altLang="ja-JP" dirty="0" smtClean="0"/>
-              <a:t>JSON</a:t>
-            </a:r>
-            <a:r>
-              <a:rPr lang="ja-JP" altLang="en-US" dirty="0" smtClean="0"/>
-              <a:t>ライブラリを</a:t>
-            </a:r>
-            <a:r>
-              <a:rPr lang="en-US" altLang="ja-JP" b="1" dirty="0" smtClean="0"/>
-              <a:t>gem</a:t>
-            </a:r>
-            <a:r>
-              <a:rPr lang="ja-JP" altLang="en-US" b="1" dirty="0" smtClean="0"/>
-              <a:t>ファイルのあるディレクトリ</a:t>
-            </a:r>
-            <a:r>
-              <a:rPr lang="ja-JP" altLang="en-US" dirty="0" smtClean="0"/>
-              <a:t>にダウンロード</a:t>
-            </a:r>
-            <a:endParaRPr lang="en-US" altLang="ja-JP" dirty="0" smtClean="0"/>
-          </a:p>
-          <a:p>
-            <a:pPr marL="1173163" lvl="2" indent="-457200"/>
-            <a:r>
-              <a:rPr lang="en-US" altLang="ja-JP" dirty="0">
-                <a:hlinkClick r:id="rId3"/>
-              </a:rPr>
-              <a:t>http://rubyforge.org/frs/?group_id=953&amp;release_id=38578</a:t>
-            </a:r>
-            <a:endParaRPr lang="en-US" altLang="ja-JP" dirty="0" smtClean="0"/>
-          </a:p>
-          <a:p>
-            <a:pPr lvl="1"/>
-            <a:r>
-              <a:rPr lang="en-US" altLang="ja-JP" b="1" dirty="0"/>
-              <a:t>g</a:t>
-            </a:r>
-            <a:r>
-              <a:rPr lang="en-US" altLang="ja-JP" b="1" dirty="0" smtClean="0"/>
-              <a:t>em</a:t>
-            </a:r>
-            <a:r>
-              <a:rPr lang="ja-JP" altLang="en-US" b="1" dirty="0" smtClean="0"/>
-              <a:t>ファイルのあるディレクトリ</a:t>
-            </a:r>
-            <a:r>
-              <a:rPr lang="ja-JP" altLang="en-US" dirty="0" smtClean="0"/>
-              <a:t>にて以下のコマンドを実行</a:t>
-            </a:r>
-            <a:endParaRPr lang="en-US" altLang="ja-JP" dirty="0" smtClean="0"/>
-          </a:p>
-          <a:p>
-            <a:pPr lvl="2"/>
-            <a:r>
-              <a:rPr lang="en-US" altLang="ja-JP" dirty="0"/>
-              <a:t>g</a:t>
-            </a:r>
-            <a:r>
-              <a:rPr lang="en-US" altLang="ja-JP" dirty="0" smtClean="0"/>
-              <a:t>em install </a:t>
-            </a:r>
-            <a:r>
-              <a:rPr lang="en-US" altLang="ja-JP" dirty="0" err="1" smtClean="0"/>
-              <a:t>json</a:t>
-            </a:r>
-            <a:r>
-              <a:rPr lang="en-US" altLang="ja-JP" dirty="0" smtClean="0"/>
-              <a:t> –local</a:t>
-            </a:r>
-          </a:p>
-          <a:p>
-            <a:pPr marL="457200" indent="-457200">
-              <a:buFont typeface="+mj-lt"/>
-              <a:buAutoNum type="arabicPeriod"/>
-            </a:pPr>
-            <a:r>
-              <a:rPr lang="ja-JP" altLang="en-US" dirty="0" smtClean="0"/>
-              <a:t>環境変数の設定</a:t>
-            </a:r>
-            <a:endParaRPr lang="en-US" altLang="ja-JP" dirty="0" smtClean="0"/>
-          </a:p>
-          <a:p>
-            <a:pPr marL="811213" lvl="1" indent="-457200"/>
-            <a:r>
-              <a:rPr lang="ja-JP" altLang="en-US" dirty="0" smtClean="0"/>
-              <a:t>環境変数に以下を追加</a:t>
-            </a:r>
-            <a:endParaRPr lang="en-US" altLang="ja-JP" dirty="0"/>
-          </a:p>
-          <a:p>
-            <a:pPr lvl="1"/>
-            <a:endParaRPr lang="en-US" altLang="ja-JP" dirty="0"/>
-          </a:p>
-          <a:p>
-            <a:pPr lvl="2"/>
-            <a:endParaRPr lang="en-US" altLang="ja-JP" dirty="0" smtClean="0"/>
+              <a:t>トレースログファイルと１．で作成したリソースファイルを読み込む</a:t>
+            </a:r>
           </a:p>
         </p:txBody>
       </p:sp>
@@ -7005,6 +6849,615 @@
                 <a:defRPr/>
               </a:pPr>
               <a:t>13</a:t>
+            </a:fld>
+            <a:endParaRPr lang="ja-JP" altLang="en-US"/>
+          </a:p>
+        </p:txBody>
+      </p:sp>
+      <p:sp>
+        <p:nvSpPr>
+          <p:cNvPr id="5" name="正方形/長方形 4"/>
+          <p:cNvSpPr/>
+          <p:nvPr/>
+        </p:nvSpPr>
+        <p:spPr bwMode="auto">
+          <a:xfrm>
+            <a:off x="395536" y="4077072"/>
+            <a:ext cx="1872208" cy="2304256"/>
+          </a:xfrm>
+          <a:prstGeom prst="rect">
+            <a:avLst/>
+          </a:prstGeom>
+          <a:noFill/>
+          <a:ln w="9525" cap="flat" cmpd="sng" algn="ctr">
+            <a:solidFill>
+              <a:schemeClr val="tx1"/>
+            </a:solidFill>
+            <a:prstDash val="solid"/>
+            <a:round/>
+            <a:headEnd type="none" w="med" len="med"/>
+            <a:tailEnd type="none" w="med" len="med"/>
+          </a:ln>
+          <a:effectLst/>
+        </p:spPr>
+        <p:txBody>
+          <a:bodyPr vert="horz" wrap="none" lIns="90000" tIns="46800" rIns="90000" bIns="46800" numCol="1" rtlCol="0" anchor="t" anchorCtr="0" compatLnSpc="1">
+            <a:prstTxWarp prst="textNoShape">
+              <a:avLst/>
+            </a:prstTxWarp>
+            <a:noAutofit/>
+          </a:bodyPr>
+          <a:lstStyle/>
+          <a:p>
+            <a:pPr>
+              <a:lnSpc>
+                <a:spcPct val="90000"/>
+              </a:lnSpc>
+              <a:spcBef>
+                <a:spcPct val="20000"/>
+              </a:spcBef>
+            </a:pPr>
+            <a:r>
+              <a:rPr lang="en-US" altLang="ja-JP" sz="2000" dirty="0">
+                <a:latin typeface="Times New Roman" pitchFamily="18" charset="0"/>
+                <a:ea typeface="ＭＳ ゴシック" pitchFamily="49" charset="-128"/>
+              </a:rPr>
+              <a:t>{</a:t>
+            </a:r>
+          </a:p>
+          <a:p>
+            <a:pPr>
+              <a:lnSpc>
+                <a:spcPct val="90000"/>
+              </a:lnSpc>
+              <a:spcBef>
+                <a:spcPct val="20000"/>
+              </a:spcBef>
+            </a:pPr>
+            <a:r>
+              <a:rPr lang="en-US" altLang="ja-JP" sz="2000" dirty="0">
+                <a:latin typeface="Times New Roman" pitchFamily="18" charset="0"/>
+                <a:ea typeface="ＭＳ ゴシック" pitchFamily="49" charset="-128"/>
+              </a:rPr>
+              <a:t>	"</a:t>
+            </a:r>
+            <a:r>
+              <a:rPr lang="en-US" altLang="ja-JP" sz="2000" dirty="0" err="1">
+                <a:latin typeface="Times New Roman" pitchFamily="18" charset="0"/>
+                <a:ea typeface="ＭＳ ゴシック" pitchFamily="49" charset="-128"/>
+              </a:rPr>
+              <a:t>TimeScale</a:t>
+            </a:r>
+            <a:r>
+              <a:rPr lang="en-US" altLang="ja-JP" sz="2000" dirty="0">
+                <a:latin typeface="Times New Roman" pitchFamily="18" charset="0"/>
+                <a:ea typeface="ＭＳ ゴシック" pitchFamily="49" charset="-128"/>
+              </a:rPr>
+              <a:t>" :"us",</a:t>
+            </a:r>
+          </a:p>
+          <a:p>
+            <a:pPr>
+              <a:lnSpc>
+                <a:spcPct val="90000"/>
+              </a:lnSpc>
+              <a:spcBef>
+                <a:spcPct val="20000"/>
+              </a:spcBef>
+            </a:pPr>
+            <a:r>
+              <a:rPr lang="en-US" altLang="ja-JP" sz="2000" dirty="0">
+                <a:latin typeface="Times New Roman" pitchFamily="18" charset="0"/>
+                <a:ea typeface="ＭＳ ゴシック" pitchFamily="49" charset="-128"/>
+              </a:rPr>
+              <a:t>	"</a:t>
+            </a:r>
+            <a:r>
+              <a:rPr lang="en-US" altLang="ja-JP" sz="2000" dirty="0" err="1">
+                <a:latin typeface="Times New Roman" pitchFamily="18" charset="0"/>
+                <a:ea typeface="ＭＳ ゴシック" pitchFamily="49" charset="-128"/>
+              </a:rPr>
+              <a:t>TimeRadix</a:t>
+            </a:r>
+            <a:r>
+              <a:rPr lang="en-US" altLang="ja-JP" sz="2000" dirty="0">
+                <a:latin typeface="Times New Roman" pitchFamily="18" charset="0"/>
+                <a:ea typeface="ＭＳ ゴシック" pitchFamily="49" charset="-128"/>
+              </a:rPr>
+              <a:t>" :10,</a:t>
+            </a:r>
+          </a:p>
+          <a:p>
+            <a:pPr>
+              <a:lnSpc>
+                <a:spcPct val="90000"/>
+              </a:lnSpc>
+              <a:spcBef>
+                <a:spcPct val="20000"/>
+              </a:spcBef>
+            </a:pPr>
+            <a:r>
+              <a:rPr lang="en-US" altLang="ja-JP" sz="2000" dirty="0">
+                <a:latin typeface="Times New Roman" pitchFamily="18" charset="0"/>
+                <a:ea typeface="ＭＳ ゴシック" pitchFamily="49" charset="-128"/>
+              </a:rPr>
+              <a:t>	"</a:t>
+            </a:r>
+            <a:r>
+              <a:rPr lang="en-US" altLang="ja-JP" sz="2000" dirty="0" err="1">
+                <a:latin typeface="Times New Roman" pitchFamily="18" charset="0"/>
+                <a:ea typeface="ＭＳ ゴシック" pitchFamily="49" charset="-128"/>
+              </a:rPr>
+              <a:t>ConvertRules</a:t>
+            </a:r>
+            <a:r>
+              <a:rPr lang="en-US" altLang="ja-JP" sz="2000" dirty="0">
+                <a:latin typeface="Times New Roman" pitchFamily="18" charset="0"/>
+                <a:ea typeface="ＭＳ ゴシック" pitchFamily="49" charset="-128"/>
+              </a:rPr>
+              <a:t>"   :["</a:t>
+            </a:r>
+            <a:r>
+              <a:rPr lang="en-US" altLang="ja-JP" sz="2000" dirty="0" err="1">
+                <a:latin typeface="Times New Roman" pitchFamily="18" charset="0"/>
+                <a:ea typeface="ＭＳ ゴシック" pitchFamily="49" charset="-128"/>
+              </a:rPr>
+              <a:t>asp_script</a:t>
+            </a:r>
+            <a:r>
+              <a:rPr lang="en-US" altLang="ja-JP" sz="2000" dirty="0">
+                <a:latin typeface="Times New Roman" pitchFamily="18" charset="0"/>
+                <a:ea typeface="ＭＳ ゴシック" pitchFamily="49" charset="-128"/>
+              </a:rPr>
+              <a:t>"],</a:t>
+            </a:r>
+          </a:p>
+          <a:p>
+            <a:pPr>
+              <a:lnSpc>
+                <a:spcPct val="90000"/>
+              </a:lnSpc>
+              <a:spcBef>
+                <a:spcPct val="20000"/>
+              </a:spcBef>
+            </a:pPr>
+            <a:r>
+              <a:rPr lang="en-US" altLang="ja-JP" sz="2000" dirty="0">
+                <a:latin typeface="Times New Roman" pitchFamily="18" charset="0"/>
+                <a:ea typeface="ＭＳ ゴシック" pitchFamily="49" charset="-128"/>
+              </a:rPr>
+              <a:t>	"</a:t>
+            </a:r>
+            <a:r>
+              <a:rPr lang="en-US" altLang="ja-JP" sz="2000" dirty="0" err="1">
+                <a:latin typeface="Times New Roman" pitchFamily="18" charset="0"/>
+                <a:ea typeface="ＭＳ ゴシック" pitchFamily="49" charset="-128"/>
+              </a:rPr>
+              <a:t>VisualizeRules</a:t>
+            </a:r>
+            <a:r>
+              <a:rPr lang="en-US" altLang="ja-JP" sz="2000" dirty="0">
+                <a:latin typeface="Times New Roman" pitchFamily="18" charset="0"/>
+                <a:ea typeface="ＭＳ ゴシック" pitchFamily="49" charset="-128"/>
+              </a:rPr>
+              <a:t>" :["</a:t>
+            </a:r>
+            <a:r>
+              <a:rPr lang="en-US" altLang="ja-JP" sz="2000" dirty="0" err="1">
+                <a:latin typeface="Times New Roman" pitchFamily="18" charset="0"/>
+                <a:ea typeface="ＭＳ ゴシック" pitchFamily="49" charset="-128"/>
+              </a:rPr>
+              <a:t>toppers","asp</a:t>
+            </a:r>
+            <a:r>
+              <a:rPr lang="en-US" altLang="ja-JP" sz="2000" dirty="0">
+                <a:latin typeface="Times New Roman" pitchFamily="18" charset="0"/>
+                <a:ea typeface="ＭＳ ゴシック" pitchFamily="49" charset="-128"/>
+              </a:rPr>
+              <a:t>"],</a:t>
+            </a:r>
+          </a:p>
+          <a:p>
+            <a:pPr>
+              <a:lnSpc>
+                <a:spcPct val="90000"/>
+              </a:lnSpc>
+              <a:spcBef>
+                <a:spcPct val="20000"/>
+              </a:spcBef>
+            </a:pPr>
+            <a:r>
+              <a:rPr lang="en-US" altLang="ja-JP" sz="2000" dirty="0">
+                <a:latin typeface="Times New Roman" pitchFamily="18" charset="0"/>
+                <a:ea typeface="ＭＳ ゴシック" pitchFamily="49" charset="-128"/>
+              </a:rPr>
+              <a:t>	"</a:t>
+            </a:r>
+            <a:r>
+              <a:rPr lang="en-US" altLang="ja-JP" sz="2000" dirty="0" err="1">
+                <a:latin typeface="Times New Roman" pitchFamily="18" charset="0"/>
+                <a:ea typeface="ＭＳ ゴシック" pitchFamily="49" charset="-128"/>
+              </a:rPr>
+              <a:t>ResourceHeaders</a:t>
+            </a:r>
+            <a:r>
+              <a:rPr lang="en-US" altLang="ja-JP" sz="2000" dirty="0">
+                <a:latin typeface="Times New Roman" pitchFamily="18" charset="0"/>
+                <a:ea typeface="ＭＳ ゴシック" pitchFamily="49" charset="-128"/>
+              </a:rPr>
+              <a:t>":["asp"],</a:t>
+            </a:r>
+          </a:p>
+          <a:p>
+            <a:pPr>
+              <a:lnSpc>
+                <a:spcPct val="90000"/>
+              </a:lnSpc>
+              <a:spcBef>
+                <a:spcPct val="20000"/>
+              </a:spcBef>
+            </a:pPr>
+            <a:r>
+              <a:rPr lang="en-US" altLang="ja-JP" sz="2000" dirty="0">
+                <a:latin typeface="Times New Roman" pitchFamily="18" charset="0"/>
+                <a:ea typeface="ＭＳ ゴシック" pitchFamily="49" charset="-128"/>
+              </a:rPr>
+              <a:t>	"Resources":</a:t>
+            </a:r>
+            <a:endParaRPr kumimoji="1" lang="ja-JP" altLang="en-US" sz="2000" b="0" i="0" u="none" strike="noStrike" cap="none" normalizeH="0" baseline="0" dirty="0" smtClean="0">
+              <a:ln>
+                <a:noFill/>
+              </a:ln>
+              <a:solidFill>
+                <a:schemeClr val="tx1"/>
+              </a:solidFill>
+              <a:effectLst/>
+              <a:latin typeface="Times New Roman" pitchFamily="18" charset="0"/>
+              <a:ea typeface="ＭＳ ゴシック" pitchFamily="49" charset="-128"/>
+            </a:endParaRPr>
+          </a:p>
+        </p:txBody>
+      </p:sp>
+    </p:spTree>
+    <p:extLst>
+      <p:ext uri="{BB962C8B-B14F-4D97-AF65-F5344CB8AC3E}">
+        <p14:creationId xmlns:p14="http://schemas.microsoft.com/office/powerpoint/2010/main" val="125464142"/>
+      </p:ext>
+    </p:extLst>
+  </p:cSld>
+  <p:clrMapOvr>
+    <a:masterClrMapping/>
+  </p:clrMapOvr>
+  <p:timing>
+    <p:tnLst>
+      <p:par>
+        <p:cTn id="1" dur="indefinite" restart="never" nodeType="tmRoot"/>
+      </p:par>
+    </p:tnLst>
+  </p:timing>
+</p:sld>
+</file>
+
+<file path=ppt/slides/slide14.xml><?xml version="1.0" encoding="utf-8"?>
+<p:sld xmlns:a="http://schemas.openxmlformats.org/drawingml/2006/main" xmlns:r="http://schemas.openxmlformats.org/officeDocument/2006/relationships" xmlns:p="http://schemas.openxmlformats.org/presentationml/2006/main">
+  <p:cSld>
+    <p:spTree>
+      <p:nvGrpSpPr>
+        <p:cNvPr id="1" name=""/>
+        <p:cNvGrpSpPr/>
+        <p:nvPr/>
+      </p:nvGrpSpPr>
+      <p:grpSpPr>
+        <a:xfrm>
+          <a:off x="0" y="0"/>
+          <a:ext cx="0" cy="0"/>
+          <a:chOff x="0" y="0"/>
+          <a:chExt cx="0" cy="0"/>
+        </a:xfrm>
+      </p:grpSpPr>
+      <p:sp>
+        <p:nvSpPr>
+          <p:cNvPr id="2" name="タイトル 1"/>
+          <p:cNvSpPr>
+            <a:spLocks noGrp="1"/>
+          </p:cNvSpPr>
+          <p:nvPr>
+            <p:ph type="title"/>
+          </p:nvPr>
+        </p:nvSpPr>
+        <p:spPr/>
+        <p:txBody>
+          <a:bodyPr>
+            <a:normAutofit fontScale="90000"/>
+          </a:bodyPr>
+          <a:lstStyle/>
+          <a:p>
+            <a:pPr lvl="1">
+              <a:defRPr/>
+            </a:pPr>
+            <a:r>
+              <a:rPr lang="en-US" altLang="ja-JP" dirty="0"/>
+              <a:t>TLV</a:t>
+            </a:r>
+            <a:r>
+              <a:rPr lang="ja-JP" altLang="en-US" dirty="0"/>
+              <a:t>パッケージ付属のサンプル</a:t>
+            </a:r>
+            <a:r>
+              <a:rPr lang="en-US" altLang="ja-JP" dirty="0"/>
+              <a:t/>
+            </a:r>
+            <a:br>
+              <a:rPr lang="en-US" altLang="ja-JP" dirty="0"/>
+            </a:br>
+            <a:r>
+              <a:rPr lang="en-US" altLang="ja-JP" dirty="0" smtClean="0"/>
+              <a:t>                               </a:t>
+            </a:r>
+            <a:r>
+              <a:rPr lang="ja-JP" altLang="en-US" dirty="0" smtClean="0"/>
+              <a:t>利用のための動作環境の構築</a:t>
+            </a:r>
+            <a:endParaRPr lang="ja-JP" altLang="en-US" dirty="0"/>
+          </a:p>
+        </p:txBody>
+      </p:sp>
+      <p:sp>
+        <p:nvSpPr>
+          <p:cNvPr id="17411" name="コンテンツ プレースホルダー 2"/>
+          <p:cNvSpPr>
+            <a:spLocks noGrp="1"/>
+          </p:cNvSpPr>
+          <p:nvPr>
+            <p:ph idx="1"/>
+          </p:nvPr>
+        </p:nvSpPr>
+        <p:spPr/>
+        <p:txBody>
+          <a:bodyPr>
+            <a:normAutofit/>
+          </a:bodyPr>
+          <a:lstStyle/>
+          <a:p>
+            <a:pPr marL="457200" indent="-457200">
+              <a:buFont typeface="+mj-lt"/>
+              <a:buAutoNum type="arabicPeriod"/>
+            </a:pPr>
+            <a:r>
+              <a:rPr lang="en-US" altLang="ja-JP" dirty="0" smtClean="0"/>
+              <a:t>Ruby</a:t>
+            </a:r>
+            <a:r>
+              <a:rPr lang="ja-JP" altLang="en-US" dirty="0" smtClean="0"/>
+              <a:t>の</a:t>
+            </a:r>
+            <a:r>
+              <a:rPr lang="ja-JP" altLang="en-US" dirty="0"/>
+              <a:t>準備</a:t>
+            </a:r>
+            <a:endParaRPr lang="en-US" altLang="ja-JP" dirty="0" smtClean="0"/>
+          </a:p>
+          <a:p>
+            <a:pPr marL="811213" lvl="1" indent="-457200"/>
+            <a:r>
+              <a:rPr lang="ja-JP" altLang="en-US" dirty="0" smtClean="0"/>
+              <a:t>下記のページから最新版の</a:t>
+            </a:r>
+            <a:r>
+              <a:rPr lang="en-US" altLang="ja-JP" dirty="0" smtClean="0"/>
+              <a:t>Ruby</a:t>
+            </a:r>
+            <a:r>
+              <a:rPr lang="ja-JP" altLang="en-US" dirty="0" smtClean="0"/>
+              <a:t>をインストール</a:t>
+            </a:r>
+            <a:endParaRPr lang="en-US" altLang="ja-JP" dirty="0" smtClean="0"/>
+          </a:p>
+          <a:p>
+            <a:pPr marL="1173163" lvl="2" indent="-457200"/>
+            <a:r>
+              <a:rPr lang="en-US" altLang="ja-JP" dirty="0" smtClean="0">
+                <a:hlinkClick r:id="rId2"/>
+              </a:rPr>
+              <a:t>http</a:t>
+            </a:r>
+            <a:r>
+              <a:rPr lang="en-US" altLang="ja-JP" dirty="0">
+                <a:hlinkClick r:id="rId2"/>
+              </a:rPr>
+              <a:t>://rubyforge.org/frs/?</a:t>
+            </a:r>
+            <a:r>
+              <a:rPr lang="en-US" altLang="ja-JP" dirty="0" smtClean="0">
+                <a:hlinkClick r:id="rId2"/>
+              </a:rPr>
+              <a:t>group_id=167&amp;release_id=28426</a:t>
+            </a:r>
+            <a:endParaRPr lang="en-US" altLang="ja-JP" dirty="0" smtClean="0"/>
+          </a:p>
+          <a:p>
+            <a:pPr marL="715963" lvl="2" indent="0">
+              <a:buNone/>
+            </a:pPr>
+            <a:r>
+              <a:rPr lang="en-US" altLang="ja-JP" dirty="0" smtClean="0"/>
+              <a:t>※</a:t>
+            </a:r>
+            <a:r>
+              <a:rPr lang="en-US" altLang="ja-JP" dirty="0" err="1" smtClean="0"/>
+              <a:t>Rubygems</a:t>
+            </a:r>
+            <a:r>
+              <a:rPr lang="ja-JP" altLang="en-US" dirty="0" smtClean="0"/>
+              <a:t>を利用します</a:t>
+            </a:r>
+            <a:endParaRPr lang="en-US" altLang="ja-JP" dirty="0" smtClean="0"/>
+          </a:p>
+          <a:p>
+            <a:pPr marL="457200" indent="-457200">
+              <a:buFont typeface="+mj-lt"/>
+              <a:buAutoNum type="arabicPeriod"/>
+            </a:pPr>
+            <a:r>
+              <a:rPr lang="en-US" altLang="ja-JP" dirty="0" err="1" smtClean="0"/>
+              <a:t>Json</a:t>
+            </a:r>
+            <a:r>
+              <a:rPr lang="ja-JP" altLang="en-US" dirty="0"/>
+              <a:t>ライブラリの</a:t>
+            </a:r>
+            <a:r>
+              <a:rPr lang="ja-JP" altLang="en-US" dirty="0" smtClean="0"/>
+              <a:t>インストール</a:t>
+            </a:r>
+            <a:endParaRPr lang="en-US" altLang="ja-JP" dirty="0" smtClean="0"/>
+          </a:p>
+          <a:p>
+            <a:pPr marL="811213" lvl="1" indent="-457200"/>
+            <a:r>
+              <a:rPr lang="ja-JP" altLang="en-US" dirty="0" smtClean="0"/>
+              <a:t>下記</a:t>
+            </a:r>
+            <a:r>
+              <a:rPr lang="en-US" altLang="ja-JP" dirty="0" smtClean="0"/>
+              <a:t>URL</a:t>
+            </a:r>
+            <a:r>
+              <a:rPr lang="ja-JP" altLang="en-US" dirty="0" smtClean="0"/>
+              <a:t>から</a:t>
+            </a:r>
+            <a:r>
+              <a:rPr lang="en-US" altLang="ja-JP" dirty="0" smtClean="0"/>
+              <a:t>Win</a:t>
+            </a:r>
+            <a:r>
+              <a:rPr lang="ja-JP" altLang="en-US" dirty="0" smtClean="0"/>
+              <a:t>用の</a:t>
+            </a:r>
+            <a:r>
+              <a:rPr lang="en-US" altLang="ja-JP" dirty="0" smtClean="0"/>
+              <a:t>JSON</a:t>
+            </a:r>
+            <a:r>
+              <a:rPr lang="ja-JP" altLang="en-US" dirty="0" smtClean="0"/>
+              <a:t>ライブラリを</a:t>
+            </a:r>
+            <a:r>
+              <a:rPr lang="en-US" altLang="ja-JP" b="1" dirty="0" smtClean="0"/>
+              <a:t>gem</a:t>
+            </a:r>
+            <a:r>
+              <a:rPr lang="ja-JP" altLang="en-US" b="1" dirty="0" smtClean="0"/>
+              <a:t>ファイルのあるディレクトリ</a:t>
+            </a:r>
+            <a:r>
+              <a:rPr lang="ja-JP" altLang="en-US" dirty="0" smtClean="0"/>
+              <a:t>にダウンロード</a:t>
+            </a:r>
+            <a:endParaRPr lang="en-US" altLang="ja-JP" dirty="0" smtClean="0"/>
+          </a:p>
+          <a:p>
+            <a:pPr marL="1173163" lvl="2" indent="-457200"/>
+            <a:r>
+              <a:rPr lang="en-US" altLang="ja-JP" dirty="0">
+                <a:hlinkClick r:id="rId3"/>
+              </a:rPr>
+              <a:t>http://rubyforge.org/frs/?group_id=953&amp;release_id=38578</a:t>
+            </a:r>
+            <a:endParaRPr lang="en-US" altLang="ja-JP" dirty="0" smtClean="0"/>
+          </a:p>
+          <a:p>
+            <a:pPr lvl="1"/>
+            <a:r>
+              <a:rPr lang="en-US" altLang="ja-JP" b="1" dirty="0"/>
+              <a:t>g</a:t>
+            </a:r>
+            <a:r>
+              <a:rPr lang="en-US" altLang="ja-JP" b="1" dirty="0" smtClean="0"/>
+              <a:t>em</a:t>
+            </a:r>
+            <a:r>
+              <a:rPr lang="ja-JP" altLang="en-US" b="1" dirty="0" smtClean="0"/>
+              <a:t>ファイルのあるディレクトリ</a:t>
+            </a:r>
+            <a:r>
+              <a:rPr lang="ja-JP" altLang="en-US" dirty="0" smtClean="0"/>
+              <a:t>にて以下のコマンドを実行</a:t>
+            </a:r>
+            <a:endParaRPr lang="en-US" altLang="ja-JP" dirty="0" smtClean="0"/>
+          </a:p>
+          <a:p>
+            <a:pPr lvl="2"/>
+            <a:r>
+              <a:rPr lang="en-US" altLang="ja-JP" dirty="0"/>
+              <a:t>g</a:t>
+            </a:r>
+            <a:r>
+              <a:rPr lang="en-US" altLang="ja-JP" dirty="0" smtClean="0"/>
+              <a:t>em install </a:t>
+            </a:r>
+            <a:r>
+              <a:rPr lang="en-US" altLang="ja-JP" dirty="0" err="1" smtClean="0"/>
+              <a:t>json</a:t>
+            </a:r>
+            <a:r>
+              <a:rPr lang="en-US" altLang="ja-JP" dirty="0" smtClean="0"/>
+              <a:t> –local</a:t>
+            </a:r>
+          </a:p>
+          <a:p>
+            <a:pPr marL="457200" indent="-457200">
+              <a:buFont typeface="+mj-lt"/>
+              <a:buAutoNum type="arabicPeriod"/>
+            </a:pPr>
+            <a:r>
+              <a:rPr lang="ja-JP" altLang="en-US" dirty="0" smtClean="0"/>
+              <a:t>環境変数の設定</a:t>
+            </a:r>
+            <a:endParaRPr lang="en-US" altLang="ja-JP" dirty="0" smtClean="0"/>
+          </a:p>
+          <a:p>
+            <a:pPr marL="811213" lvl="1" indent="-457200"/>
+            <a:r>
+              <a:rPr lang="ja-JP" altLang="en-US" dirty="0" smtClean="0"/>
+              <a:t>環境変数に以下を追加</a:t>
+            </a:r>
+            <a:endParaRPr lang="en-US" altLang="ja-JP" dirty="0"/>
+          </a:p>
+          <a:p>
+            <a:pPr lvl="1"/>
+            <a:endParaRPr lang="en-US" altLang="ja-JP" dirty="0"/>
+          </a:p>
+          <a:p>
+            <a:pPr lvl="2"/>
+            <a:endParaRPr lang="en-US" altLang="ja-JP" dirty="0" smtClean="0"/>
+          </a:p>
+        </p:txBody>
+      </p:sp>
+      <p:sp>
+        <p:nvSpPr>
+          <p:cNvPr id="4" name="スライド番号プレースホルダー 3"/>
+          <p:cNvSpPr>
+            <a:spLocks noGrp="1"/>
+          </p:cNvSpPr>
+          <p:nvPr>
+            <p:ph type="sldNum" sz="quarter" idx="10"/>
+          </p:nvPr>
+        </p:nvSpPr>
+        <p:spPr/>
+        <p:txBody>
+          <a:bodyPr/>
+          <a:lstStyle/>
+          <a:p>
+            <a:pPr>
+              <a:defRPr/>
+            </a:pPr>
+            <a:fld id="{0DB16D6A-7AA5-49C9-B3D8-8A66CF4AAAAD}" type="slidenum">
+              <a:rPr lang="ja-JP" altLang="en-US" smtClean="0"/>
+              <a:pPr>
+                <a:defRPr/>
+              </a:pPr>
+              <a:t>14</a:t>
             </a:fld>
             <a:endParaRPr lang="ja-JP" altLang="en-US"/>
           </a:p>
@@ -7189,158 +7642,6 @@
 </p:sld>
 </file>
 
-<file path=ppt/slides/slide14.xml><?xml version="1.0" encoding="utf-8"?>
-<p:sld xmlns:a="http://schemas.openxmlformats.org/drawingml/2006/main" xmlns:r="http://schemas.openxmlformats.org/officeDocument/2006/relationships" xmlns:p="http://schemas.openxmlformats.org/presentationml/2006/main">
-  <p:cSld>
-    <p:spTree>
-      <p:nvGrpSpPr>
-        <p:cNvPr id="1" name=""/>
-        <p:cNvGrpSpPr/>
-        <p:nvPr/>
-      </p:nvGrpSpPr>
-      <p:grpSpPr>
-        <a:xfrm>
-          <a:off x="0" y="0"/>
-          <a:ext cx="0" cy="0"/>
-          <a:chOff x="0" y="0"/>
-          <a:chExt cx="0" cy="0"/>
-        </a:xfrm>
-      </p:grpSpPr>
-      <p:sp>
-        <p:nvSpPr>
-          <p:cNvPr id="2" name="タイトル 1"/>
-          <p:cNvSpPr>
-            <a:spLocks noGrp="1"/>
-          </p:cNvSpPr>
-          <p:nvPr>
-            <p:ph type="title"/>
-          </p:nvPr>
-        </p:nvSpPr>
-        <p:spPr/>
-        <p:txBody>
-          <a:bodyPr>
-            <a:normAutofit fontScale="90000"/>
-          </a:bodyPr>
-          <a:lstStyle/>
-          <a:p>
-            <a:pPr>
-              <a:defRPr/>
-            </a:pPr>
-            <a:r>
-              <a:rPr lang="ja-JP" altLang="en-US" dirty="0" smtClean="0"/>
-              <a:t>機能２の利用方法</a:t>
-            </a:r>
-            <a:endParaRPr lang="ja-JP" altLang="en-US" dirty="0"/>
-          </a:p>
-        </p:txBody>
-      </p:sp>
-      <p:sp>
-        <p:nvSpPr>
-          <p:cNvPr id="17411" name="コンテンツ プレースホルダー 2"/>
-          <p:cNvSpPr>
-            <a:spLocks noGrp="1"/>
-          </p:cNvSpPr>
-          <p:nvPr>
-            <p:ph idx="1"/>
-          </p:nvPr>
-        </p:nvSpPr>
-        <p:spPr/>
-        <p:txBody>
-          <a:bodyPr/>
-          <a:lstStyle/>
-          <a:p>
-            <a:r>
-              <a:rPr lang="ja-JP" altLang="en-US" dirty="0" smtClean="0"/>
-              <a:t>手順</a:t>
-            </a:r>
-            <a:endParaRPr lang="en-US" altLang="ja-JP" dirty="0" smtClean="0"/>
-          </a:p>
-          <a:p>
-            <a:pPr lvl="1"/>
-            <a:r>
-              <a:rPr lang="ja-JP" altLang="en-US" dirty="0" smtClean="0"/>
-              <a:t>１：変換ルールとリソースファイルの設定</a:t>
-            </a:r>
-            <a:endParaRPr lang="en-US" altLang="ja-JP" dirty="0" smtClean="0"/>
-          </a:p>
-          <a:p>
-            <a:pPr lvl="2"/>
-            <a:r>
-              <a:rPr lang="ja-JP" altLang="en-US" dirty="0" smtClean="0"/>
-              <a:t>スクリプト拡張機能を用いるようにリソースファイルと変換ルールファイルの設定を行う．</a:t>
-            </a:r>
-            <a:endParaRPr lang="en-US" altLang="ja-JP" dirty="0" smtClean="0"/>
-          </a:p>
-          <a:p>
-            <a:pPr lvl="1"/>
-            <a:r>
-              <a:rPr lang="ja-JP" altLang="en-US" dirty="0"/>
-              <a:t>２</a:t>
-            </a:r>
-            <a:r>
-              <a:rPr lang="ja-JP" altLang="en-US" dirty="0" smtClean="0"/>
-              <a:t>：ファイルの読み込み</a:t>
-            </a:r>
-            <a:endParaRPr lang="en-US" altLang="ja-JP" dirty="0" smtClean="0"/>
-          </a:p>
-          <a:p>
-            <a:pPr lvl="2"/>
-            <a:r>
-              <a:rPr lang="ja-JP" altLang="en-US" dirty="0" smtClean="0"/>
-              <a:t>トレースログファイルと１．で作成したリソースファイルを読み込む</a:t>
-            </a:r>
-          </a:p>
-        </p:txBody>
-      </p:sp>
-      <p:sp>
-        <p:nvSpPr>
-          <p:cNvPr id="4" name="スライド番号プレースホルダー 3"/>
-          <p:cNvSpPr>
-            <a:spLocks noGrp="1"/>
-          </p:cNvSpPr>
-          <p:nvPr>
-            <p:ph type="sldNum" sz="quarter" idx="10"/>
-          </p:nvPr>
-        </p:nvSpPr>
-        <p:spPr/>
-        <p:txBody>
-          <a:bodyPr/>
-          <a:lstStyle/>
-          <a:p>
-            <a:pPr>
-              <a:defRPr/>
-            </a:pPr>
-            <a:fld id="{0DB16D6A-7AA5-49C9-B3D8-8A66CF4AAAAD}" type="slidenum">
-              <a:rPr lang="ja-JP" altLang="en-US" smtClean="0"/>
-              <a:pPr>
-                <a:defRPr/>
-              </a:pPr>
-              <a:t>14</a:t>
-            </a:fld>
-            <a:endParaRPr lang="ja-JP" altLang="en-US"/>
-          </a:p>
-        </p:txBody>
-      </p:sp>
-    </p:spTree>
-    <p:extLst>
-      <p:ext uri="{BB962C8B-B14F-4D97-AF65-F5344CB8AC3E}">
-        <p14:creationId xmlns:p14="http://schemas.microsoft.com/office/powerpoint/2010/main" val="125464142"/>
-      </p:ext>
-    </p:extLst>
-  </p:cSld>
-  <p:clrMapOvr>
-    <a:masterClrMapping/>
-  </p:clrMapOvr>
-  <p:timing>
-    <p:tnLst>
-      <p:par>
-        <p:cTn id="1" dur="indefinite" restart="never" nodeType="tmRoot"/>
-      </p:par>
-    </p:tnLst>
-  </p:timing>
-</p:sld>
-</file>
-
 <file path=ppt/slides/slide15.xml><?xml version="1.0" encoding="utf-8"?>
 <p:sld xmlns:a="http://schemas.openxmlformats.org/drawingml/2006/main" xmlns:r="http://schemas.openxmlformats.org/officeDocument/2006/relationships" xmlns:p="http://schemas.openxmlformats.org/presentationml/2006/main">
   <p:cSld>
@@ -7429,7 +7730,11 @@
           <a:p>
             <a:r>
               <a:rPr lang="ja-JP" altLang="en-US" dirty="0" smtClean="0"/>
-              <a:t>登場するファイル</a:t>
+              <a:t>使用する</a:t>
+            </a:r>
+            <a:r>
+              <a:rPr lang="ja-JP" altLang="en-US" dirty="0" smtClean="0"/>
+              <a:t>ファイル</a:t>
             </a:r>
             <a:endParaRPr lang="en-US" altLang="ja-JP" dirty="0" smtClean="0"/>
           </a:p>
@@ -7536,11 +7841,7 @@
             </a:r>
             <a:r>
               <a:rPr lang="ja-JP" altLang="en-US" dirty="0" smtClean="0"/>
-              <a:t>：変換</a:t>
-            </a:r>
-            <a:r>
-              <a:rPr lang="ja-JP" altLang="en-US" dirty="0" smtClean="0"/>
-              <a:t>スクリプト</a:t>
+              <a:t>：変換スクリプト</a:t>
             </a:r>
             <a:endParaRPr lang="en-US" altLang="ja-JP" dirty="0" smtClean="0"/>
           </a:p>
@@ -7561,7 +7862,7 @@
               <a:t>fmp_converter2.rb</a:t>
             </a:r>
             <a:r>
-              <a:rPr lang="ja-JP" altLang="en-US" smtClean="0"/>
+              <a:rPr lang="ja-JP" altLang="en-US" dirty="0" smtClean="0"/>
               <a:t>を使用します．</a:t>
             </a:r>
             <a:endParaRPr lang="en-US" altLang="ja-JP" dirty="0" smtClean="0"/>
@@ -7618,6 +7919,130 @@
               <a:t>15</a:t>
             </a:fld>
             <a:endParaRPr lang="ja-JP" altLang="en-US"/>
+          </a:p>
+        </p:txBody>
+      </p:sp>
+      <p:sp>
+        <p:nvSpPr>
+          <p:cNvPr id="3" name="角丸四角形吹き出し 2"/>
+          <p:cNvSpPr/>
+          <p:nvPr/>
+        </p:nvSpPr>
+        <p:spPr bwMode="auto">
+          <a:xfrm>
+            <a:off x="8460432" y="1340768"/>
+            <a:ext cx="1440160" cy="1440160"/>
+          </a:xfrm>
+          <a:prstGeom prst="wedgeRoundRectCallout">
+            <a:avLst/>
+          </a:prstGeom>
+          <a:ln>
+            <a:headEnd type="none" w="med" len="med"/>
+            <a:tailEnd type="none" w="med" len="med"/>
+          </a:ln>
+        </p:spPr>
+        <p:style>
+          <a:lnRef idx="2">
+            <a:schemeClr val="accent1">
+              <a:shade val="50000"/>
+            </a:schemeClr>
+          </a:lnRef>
+          <a:fillRef idx="1">
+            <a:schemeClr val="accent1"/>
+          </a:fillRef>
+          <a:effectRef idx="0">
+            <a:schemeClr val="accent1"/>
+          </a:effectRef>
+          <a:fontRef idx="minor">
+            <a:schemeClr val="lt1"/>
+          </a:fontRef>
+        </p:style>
+        <p:txBody>
+          <a:bodyPr vert="horz" wrap="none" lIns="90000" tIns="46800" rIns="90000" bIns="46800" numCol="1" rtlCol="0" anchor="t" anchorCtr="0" compatLnSpc="1">
+            <a:prstTxWarp prst="textNoShape">
+              <a:avLst/>
+            </a:prstTxWarp>
+            <a:noAutofit/>
+          </a:bodyPr>
+          <a:lstStyle/>
+          <a:p>
+            <a:pPr marL="0" marR="0" indent="0" algn="l" defTabSz="914400" rtl="0" eaLnBrk="1" fontAlgn="base" latinLnBrk="0" hangingPunct="1">
+              <a:lnSpc>
+                <a:spcPct val="90000"/>
+              </a:lnSpc>
+              <a:spcBef>
+                <a:spcPct val="20000"/>
+              </a:spcBef>
+              <a:spcAft>
+                <a:spcPct val="0"/>
+              </a:spcAft>
+              <a:buClrTx/>
+              <a:buSzTx/>
+              <a:buFontTx/>
+              <a:buNone/>
+              <a:tabLst/>
+            </a:pPr>
+            <a:r>
+              <a:rPr lang="en-US" altLang="ja-JP" sz="2000" dirty="0" smtClean="0">
+                <a:latin typeface="Times New Roman" pitchFamily="18" charset="0"/>
+                <a:ea typeface="ＭＳ ゴシック" pitchFamily="49" charset="-128"/>
+              </a:rPr>
+              <a:t>8</a:t>
+            </a:r>
+            <a:r>
+              <a:rPr lang="ja-JP" altLang="en-US" sz="2000" dirty="0" smtClean="0">
+                <a:latin typeface="Times New Roman" pitchFamily="18" charset="0"/>
+                <a:ea typeface="ＭＳ ゴシック" pitchFamily="49" charset="-128"/>
+              </a:rPr>
+              <a:t>ページとフォーマットを</a:t>
+            </a:r>
+            <a:endParaRPr lang="en-US" altLang="ja-JP" sz="2000" dirty="0" smtClean="0">
+              <a:latin typeface="Times New Roman" pitchFamily="18" charset="0"/>
+              <a:ea typeface="ＭＳ ゴシック" pitchFamily="49" charset="-128"/>
+            </a:endParaRPr>
+          </a:p>
+          <a:p>
+            <a:pPr marL="0" marR="0" indent="0" algn="l" defTabSz="914400" rtl="0" eaLnBrk="1" fontAlgn="base" latinLnBrk="0" hangingPunct="1">
+              <a:lnSpc>
+                <a:spcPct val="90000"/>
+              </a:lnSpc>
+              <a:spcBef>
+                <a:spcPct val="20000"/>
+              </a:spcBef>
+              <a:spcAft>
+                <a:spcPct val="0"/>
+              </a:spcAft>
+              <a:buClrTx/>
+              <a:buSzTx/>
+              <a:buFontTx/>
+              <a:buNone/>
+              <a:tabLst/>
+            </a:pPr>
+            <a:r>
+              <a:rPr kumimoji="1" lang="ja-JP" altLang="en-US" sz="2000" b="0" i="0" u="none" strike="noStrike" cap="none" normalizeH="0" baseline="0" dirty="0">
+                <a:ln>
+                  <a:noFill/>
+                </a:ln>
+                <a:solidFill>
+                  <a:schemeClr val="tx1"/>
+                </a:solidFill>
+                <a:effectLst/>
+                <a:latin typeface="Times New Roman" pitchFamily="18" charset="0"/>
+                <a:ea typeface="ＭＳ ゴシック" pitchFamily="49" charset="-128"/>
+              </a:rPr>
+              <a:t>合わせる</a:t>
+            </a:r>
+            <a:endParaRPr kumimoji="1" lang="ja-JP" altLang="en-US" sz="2000" b="0" i="0" u="none" strike="noStrike" cap="none" normalizeH="0" baseline="0" dirty="0" smtClean="0">
+              <a:ln>
+                <a:noFill/>
+              </a:ln>
+              <a:solidFill>
+                <a:schemeClr val="tx1"/>
+              </a:solidFill>
+              <a:effectLst/>
+              <a:latin typeface="Times New Roman" pitchFamily="18" charset="0"/>
+              <a:ea typeface="ＭＳ ゴシック" pitchFamily="49" charset="-128"/>
+            </a:endParaRPr>
           </a:p>
         </p:txBody>
       </p:sp>
@@ -7723,7 +8148,19 @@
             </a:pPr>
             <a:r>
               <a:rPr lang="ja-JP" altLang="en-US" dirty="0" smtClean="0"/>
-              <a:t>変換スクリプトを使用するよう</a:t>
+              <a:t>外部の変換プログラム（</a:t>
+            </a:r>
+            <a:r>
+              <a:rPr lang="en-US" altLang="ja-JP" dirty="0" smtClean="0"/>
+              <a:t>Ruby</a:t>
+            </a:r>
+            <a:r>
+              <a:rPr lang="ja-JP" altLang="en-US" dirty="0" smtClean="0"/>
+              <a:t>プログラム）を</a:t>
+            </a:r>
+            <a:r>
+              <a:rPr lang="ja-JP" altLang="en-US" dirty="0" smtClean="0"/>
+              <a:t>使用するよう</a:t>
             </a:r>
             <a:r>
               <a:rPr lang="en-US" altLang="ja-JP" dirty="0" smtClean="0"/>
@@ -8058,21 +8495,7 @@
                 <a:latin typeface="Times New Roman" pitchFamily="18" charset="0"/>
                 <a:ea typeface="ＭＳ ゴシック" pitchFamily="49" charset="-128"/>
               </a:rPr>
-              <a:t>:/</a:t>
-            </a:r>
-            <a:r>
-              <a:rPr lang="en-US" altLang="ja-JP" dirty="0" smtClean="0">
-                <a:latin typeface="Times New Roman" pitchFamily="18" charset="0"/>
-                <a:ea typeface="ＭＳ ゴシック" pitchFamily="49" charset="-128"/>
-              </a:rPr>
-              <a:t>Ruby187</a:t>
-            </a:r>
-            <a:r>
-              <a:rPr lang="en-US" altLang="ja-JP" dirty="0" smtClean="0">
-                <a:latin typeface="Times New Roman" pitchFamily="18" charset="0"/>
-                <a:ea typeface="ＭＳ ゴシック" pitchFamily="49" charset="-128"/>
-              </a:rPr>
-              <a:t>/bin/ruby.exe</a:t>
+              <a:t>:/Ruby187/bin/ruby.exe</a:t>
             </a:r>
             <a:r>
               <a:rPr lang="en-US" altLang="ja-JP" dirty="0">
@@ -8759,6 +9182,194 @@
               <a:t>asp_script.cnv</a:t>
             </a:r>
             <a:endParaRPr lang="ja-JP" altLang="en-US"/>
+          </a:p>
+        </p:txBody>
+      </p:sp>
+      <p:sp>
+        <p:nvSpPr>
+          <p:cNvPr id="8" name="角丸四角形吹き出し 7"/>
+          <p:cNvSpPr/>
+          <p:nvPr/>
+        </p:nvSpPr>
+        <p:spPr bwMode="auto">
+          <a:xfrm>
+            <a:off x="5525939" y="773383"/>
+            <a:ext cx="1440160" cy="1440160"/>
+          </a:xfrm>
+          <a:prstGeom prst="wedgeRoundRectCallout">
+            <a:avLst>
+              <a:gd name="adj1" fmla="val -170907"/>
+              <a:gd name="adj2" fmla="val 111150"/>
+              <a:gd name="adj3" fmla="val 16667"/>
+            </a:avLst>
+          </a:prstGeom>
+          <a:ln>
+            <a:headEnd type="none" w="med" len="med"/>
+            <a:tailEnd type="none" w="med" len="med"/>
+          </a:ln>
+        </p:spPr>
+        <p:style>
+          <a:lnRef idx="2">
+            <a:schemeClr val="accent1">
+              <a:shade val="50000"/>
+            </a:schemeClr>
+          </a:lnRef>
+          <a:fillRef idx="1">
+            <a:schemeClr val="accent1"/>
+          </a:fillRef>
+          <a:effectRef idx="0">
+            <a:schemeClr val="accent1"/>
+          </a:effectRef>
+          <a:fontRef idx="minor">
+            <a:schemeClr val="lt1"/>
+          </a:fontRef>
+        </p:style>
+        <p:txBody>
+          <a:bodyPr vert="horz" wrap="none" lIns="90000" tIns="46800" rIns="90000" bIns="46800" numCol="1" rtlCol="0" anchor="t" anchorCtr="0" compatLnSpc="1">
+            <a:prstTxWarp prst="textNoShape">
+              <a:avLst/>
+            </a:prstTxWarp>
+            <a:noAutofit/>
+          </a:bodyPr>
+          <a:lstStyle/>
+          <a:p>
+            <a:pPr marL="0" marR="0" indent="0" algn="l" defTabSz="914400" rtl="0" eaLnBrk="1" fontAlgn="base" latinLnBrk="0" hangingPunct="1">
+              <a:lnSpc>
+                <a:spcPct val="90000"/>
+              </a:lnSpc>
+              <a:spcBef>
+                <a:spcPct val="20000"/>
+              </a:spcBef>
+              <a:spcAft>
+                <a:spcPct val="0"/>
+              </a:spcAft>
+              <a:buClrTx/>
+              <a:buSzTx/>
+              <a:buFontTx/>
+              <a:buNone/>
+              <a:tabLst/>
+            </a:pPr>
+            <a:r>
+              <a:rPr lang="ja-JP" altLang="en-US" sz="2400" dirty="0" smtClean="0">
+                <a:solidFill>
+                  <a:schemeClr val="tx1"/>
+                </a:solidFill>
+                <a:latin typeface="Times New Roman" pitchFamily="18" charset="0"/>
+                <a:ea typeface="ＭＳ ゴシック" pitchFamily="49" charset="-128"/>
+              </a:rPr>
+              <a:t>注意書き</a:t>
+            </a:r>
+            <a:r>
+              <a:rPr lang="en-US" altLang="ja-JP" sz="2400" dirty="0" smtClean="0">
+                <a:solidFill>
+                  <a:schemeClr val="tx1"/>
+                </a:solidFill>
+                <a:latin typeface="Times New Roman" pitchFamily="18" charset="0"/>
+                <a:ea typeface="ＭＳ ゴシック" pitchFamily="49" charset="-128"/>
+              </a:rPr>
+              <a:t/>
+            </a:r>
+            <a:br>
+              <a:rPr lang="en-US" altLang="ja-JP" sz="2400" dirty="0" smtClean="0">
+                <a:solidFill>
+                  <a:schemeClr val="tx1"/>
+                </a:solidFill>
+                <a:latin typeface="Times New Roman" pitchFamily="18" charset="0"/>
+                <a:ea typeface="ＭＳ ゴシック" pitchFamily="49" charset="-128"/>
+              </a:rPr>
+            </a:br>
+            <a:r>
+              <a:rPr lang="ja-JP" altLang="en-US" sz="2400" dirty="0" smtClean="0">
+                <a:solidFill>
+                  <a:schemeClr val="tx1"/>
+                </a:solidFill>
+                <a:latin typeface="Times New Roman" pitchFamily="18" charset="0"/>
+                <a:ea typeface="ＭＳ ゴシック" pitchFamily="49" charset="-128"/>
+              </a:rPr>
+              <a:t>を追加．</a:t>
+            </a:r>
+            <a:endParaRPr lang="en-US" altLang="ja-JP" sz="2400" dirty="0" smtClean="0">
+              <a:solidFill>
+                <a:schemeClr val="tx1"/>
+              </a:solidFill>
+              <a:latin typeface="Times New Roman" pitchFamily="18" charset="0"/>
+              <a:ea typeface="ＭＳ ゴシック" pitchFamily="49" charset="-128"/>
+            </a:endParaRPr>
+          </a:p>
+          <a:p>
+            <a:pPr marL="0" marR="0" indent="0" algn="l" defTabSz="914400" rtl="0" eaLnBrk="1" fontAlgn="base" latinLnBrk="0" hangingPunct="1">
+              <a:lnSpc>
+                <a:spcPct val="90000"/>
+              </a:lnSpc>
+              <a:spcBef>
+                <a:spcPct val="20000"/>
+              </a:spcBef>
+              <a:spcAft>
+                <a:spcPct val="0"/>
+              </a:spcAft>
+              <a:buClrTx/>
+              <a:buSzTx/>
+              <a:buFontTx/>
+              <a:buNone/>
+              <a:tabLst/>
+            </a:pPr>
+            <a:r>
+              <a:rPr lang="ja-JP" altLang="en-US" sz="2400" dirty="0" smtClean="0">
+                <a:solidFill>
+                  <a:schemeClr val="tx1"/>
+                </a:solidFill>
+                <a:latin typeface="Times New Roman" pitchFamily="18" charset="0"/>
+                <a:ea typeface="ＭＳ ゴシック" pitchFamily="49" charset="-128"/>
+              </a:rPr>
+              <a:t>パスの指定は，</a:t>
+            </a:r>
+            <a:r>
+              <a:rPr lang="en-US" altLang="ja-JP" sz="2400" dirty="0" smtClean="0">
+                <a:solidFill>
+                  <a:schemeClr val="tx1"/>
+                </a:solidFill>
+                <a:latin typeface="Times New Roman" pitchFamily="18" charset="0"/>
+                <a:ea typeface="ＭＳ ゴシック" pitchFamily="49" charset="-128"/>
+              </a:rPr>
+              <a:t>\</a:t>
+            </a:r>
+            <a:r>
+              <a:rPr lang="ja-JP" altLang="en-US" sz="2400" dirty="0" smtClean="0">
+                <a:solidFill>
+                  <a:schemeClr val="tx1"/>
+                </a:solidFill>
+                <a:latin typeface="Times New Roman" pitchFamily="18" charset="0"/>
+                <a:ea typeface="ＭＳ ゴシック" pitchFamily="49" charset="-128"/>
+              </a:rPr>
+              <a:t>ではなく</a:t>
+            </a:r>
+            <a:r>
+              <a:rPr lang="en-US" altLang="ja-JP" sz="2400" dirty="0" smtClean="0">
+                <a:solidFill>
+                  <a:schemeClr val="tx1"/>
+                </a:solidFill>
+                <a:latin typeface="Times New Roman" pitchFamily="18" charset="0"/>
+                <a:ea typeface="ＭＳ ゴシック" pitchFamily="49" charset="-128"/>
+              </a:rPr>
+              <a:t>/</a:t>
+            </a:r>
+            <a:r>
+              <a:rPr lang="ja-JP" altLang="en-US" sz="2400" dirty="0" smtClean="0">
+                <a:solidFill>
+                  <a:schemeClr val="tx1"/>
+                </a:solidFill>
+                <a:latin typeface="Times New Roman" pitchFamily="18" charset="0"/>
+                <a:ea typeface="ＭＳ ゴシック" pitchFamily="49" charset="-128"/>
+              </a:rPr>
+              <a:t>で行うこと．</a:t>
+            </a:r>
+            <a:endParaRPr lang="en-US" altLang="ja-JP" sz="2400" dirty="0" smtClean="0">
+              <a:solidFill>
+                <a:schemeClr val="tx1"/>
+              </a:solidFill>
+              <a:latin typeface="Times New Roman" pitchFamily="18" charset="0"/>
+              <a:ea typeface="ＭＳ ゴシック" pitchFamily="49" charset="-128"/>
+            </a:endParaRPr>
           </a:p>
         </p:txBody>
       </p:sp>
@@ -9652,23 +10263,31 @@
           </a:p>
           <a:p>
             <a:r>
-              <a:rPr lang="ja-JP" altLang="en-US" dirty="0" smtClean="0"/>
-              <a:t>従来の</a:t>
-            </a:r>
-            <a:r>
               <a:rPr lang="en-US" altLang="ja-JP" dirty="0" smtClean="0"/>
               <a:t>TLV</a:t>
             </a:r>
             <a:r>
               <a:rPr lang="ja-JP" altLang="en-US" dirty="0" smtClean="0"/>
-              <a:t>標準形式変換</a:t>
+              <a:t>内部の標準</a:t>
+            </a:r>
+            <a:r>
+              <a:rPr lang="ja-JP" altLang="en-US" dirty="0" smtClean="0"/>
+              <a:t>形式変換</a:t>
             </a:r>
             <a:endParaRPr lang="en-US" altLang="ja-JP" dirty="0" smtClean="0"/>
           </a:p>
           <a:p>
             <a:r>
               <a:rPr lang="ja-JP" altLang="en-US" dirty="0" smtClean="0"/>
-              <a:t>機能１：標準形式トレースログの直接入力機能</a:t>
+              <a:t>標準</a:t>
+            </a:r>
+            <a:r>
+              <a:rPr lang="ja-JP" altLang="en-US" dirty="0" smtClean="0"/>
+              <a:t>形式トレースログの直接</a:t>
+            </a:r>
+            <a:r>
+              <a:rPr lang="ja-JP" altLang="en-US" dirty="0" smtClean="0"/>
+              <a:t>入力</a:t>
             </a:r>
             <a:endParaRPr lang="en-US" altLang="ja-JP" dirty="0" smtClean="0"/>
           </a:p>
@@ -9699,7 +10318,11 @@
           <a:p>
             <a:r>
               <a:rPr lang="ja-JP" altLang="en-US" dirty="0" smtClean="0"/>
-              <a:t>機能２：スクリプト拡張機能を用いた変換</a:t>
+              <a:t>スクリプト</a:t>
+            </a:r>
+            <a:r>
+              <a:rPr lang="ja-JP" altLang="en-US" dirty="0" smtClean="0"/>
+              <a:t>拡張機能を用いた変換</a:t>
             </a:r>
             <a:endParaRPr lang="en-US" altLang="ja-JP" dirty="0" smtClean="0"/>
           </a:p>
@@ -11229,99 +11852,103 @@
           <a:lstStyle/>
           <a:p>
             <a:r>
-              <a:rPr lang="en-US" altLang="ja-JP" smtClean="0"/>
+              <a:rPr lang="en-US" altLang="ja-JP" dirty="0" smtClean="0"/>
               <a:t>TLV</a:t>
             </a:r>
             <a:r>
-              <a:rPr lang="ja-JP" altLang="en-US" smtClean="0"/>
+              <a:rPr lang="ja-JP" altLang="en-US" dirty="0" smtClean="0"/>
               <a:t>内部で行っているトレースログの標準形式への変換処理を，</a:t>
             </a:r>
             <a:r>
-              <a:rPr lang="en-US" altLang="ja-JP" smtClean="0"/>
+              <a:rPr lang="en-US" altLang="ja-JP" dirty="0" smtClean="0"/>
               <a:t>TLV</a:t>
             </a:r>
             <a:r>
-              <a:rPr lang="ja-JP" altLang="en-US" smtClean="0"/>
+              <a:rPr lang="ja-JP" altLang="en-US" dirty="0" smtClean="0"/>
               <a:t>外部で行うことを可能とする機能です．</a:t>
             </a:r>
-            <a:endParaRPr lang="en-US" altLang="ja-JP" smtClean="0"/>
-          </a:p>
-          <a:p>
-            <a:r>
-              <a:rPr lang="ja-JP" altLang="en-US" smtClean="0"/>
+            <a:endParaRPr lang="en-US" altLang="ja-JP" dirty="0" smtClean="0"/>
+          </a:p>
+          <a:p>
+            <a:r>
+              <a:rPr lang="ja-JP" altLang="en-US" dirty="0" smtClean="0"/>
               <a:t>以下の２つの機能があります．</a:t>
             </a:r>
-            <a:endParaRPr lang="en-US" altLang="ja-JP" smtClean="0"/>
+            <a:endParaRPr lang="en-US" altLang="ja-JP" dirty="0" smtClean="0"/>
           </a:p>
           <a:p>
             <a:pPr lvl="1"/>
             <a:r>
-              <a:rPr lang="ja-JP" altLang="en-US" smtClean="0"/>
-              <a:t>機能１：標準形式トレースログファイルの直接入力機能</a:t>
-            </a:r>
-            <a:endParaRPr lang="en-US" altLang="ja-JP" smtClean="0"/>
+              <a:rPr lang="ja-JP" altLang="en-US" dirty="0" smtClean="0"/>
+              <a:t>標準</a:t>
+            </a:r>
+            <a:r>
+              <a:rPr lang="ja-JP" altLang="en-US" dirty="0" smtClean="0"/>
+              <a:t>形式トレースログファイルの直接入力機能</a:t>
+            </a:r>
+            <a:endParaRPr lang="en-US" altLang="ja-JP" dirty="0" smtClean="0"/>
           </a:p>
           <a:p>
             <a:pPr lvl="1"/>
             <a:r>
-              <a:rPr lang="ja-JP" altLang="en-US" smtClean="0"/>
-              <a:t>機能２：スクリプト拡張機能を用いた外部変換</a:t>
-            </a:r>
-            <a:endParaRPr lang="en-US" altLang="ja-JP" smtClean="0"/>
+              <a:rPr lang="ja-JP" altLang="en-US" dirty="0" smtClean="0"/>
+              <a:t>スクリプト</a:t>
+            </a:r>
+            <a:r>
+              <a:rPr lang="ja-JP" altLang="en-US" dirty="0" smtClean="0"/>
+              <a:t>拡張機能を用いた外部変換</a:t>
+            </a:r>
+            <a:endParaRPr lang="en-US" altLang="ja-JP" dirty="0" smtClean="0"/>
           </a:p>
           <a:p>
             <a:pPr lvl="3"/>
-            <a:endParaRPr lang="en-US" altLang="ja-JP" smtClean="0"/>
-          </a:p>
-          <a:p>
-            <a:r>
-              <a:rPr lang="ja-JP" altLang="en-US" smtClean="0"/>
-              <a:t>この機能を用いる利点は以下の通りです．</a:t>
-            </a:r>
-            <a:endParaRPr lang="en-US" altLang="ja-JP" smtClean="0"/>
+            <a:endParaRPr lang="en-US" altLang="ja-JP" dirty="0" smtClean="0"/>
+          </a:p>
+          <a:p>
+            <a:r>
+              <a:rPr lang="ja-JP" altLang="en-US" dirty="0" smtClean="0"/>
+              <a:t>この機能を用いる利点は以下の通りです</a:t>
+            </a:r>
+            <a:r>
+              <a:rPr lang="ja-JP" altLang="en-US" dirty="0" smtClean="0"/>
+              <a:t>．</a:t>
+            </a:r>
+            <a:endParaRPr lang="en-US" altLang="ja-JP" dirty="0" smtClean="0"/>
           </a:p>
           <a:p>
             <a:pPr lvl="1"/>
             <a:r>
-              <a:rPr lang="ja-JP" altLang="en-US" smtClean="0"/>
-              <a:t>直接標準形式のトレースログを入力することが可能</a:t>
-            </a:r>
-            <a:endParaRPr lang="en-US" altLang="ja-JP" smtClean="0"/>
-          </a:p>
-          <a:p>
-            <a:pPr lvl="1"/>
-            <a:r>
-              <a:rPr lang="ja-JP" altLang="en-US" smtClean="0"/>
+              <a:rPr lang="ja-JP" altLang="en-US" dirty="0" smtClean="0"/>
               <a:t>変換処理の高速化を実現</a:t>
             </a:r>
-            <a:endParaRPr lang="en-US" altLang="ja-JP" smtClean="0"/>
+            <a:endParaRPr lang="en-US" altLang="ja-JP" dirty="0" smtClean="0"/>
           </a:p>
           <a:p>
             <a:pPr lvl="2"/>
             <a:r>
-              <a:rPr lang="ja-JP" altLang="en-US" smtClean="0"/>
+              <a:rPr lang="ja-JP" altLang="en-US" dirty="0" smtClean="0"/>
               <a:t>標準変換を外部で高速に行うことで，</a:t>
             </a:r>
             <a:r>
-              <a:rPr lang="en-US" altLang="ja-JP" smtClean="0"/>
+              <a:rPr lang="en-US" altLang="ja-JP" dirty="0" smtClean="0"/>
               <a:t/>
             </a:r>
             <a:br>
-              <a:rPr lang="en-US" altLang="ja-JP" smtClean="0"/>
+              <a:rPr lang="en-US" altLang="ja-JP" dirty="0" smtClean="0"/>
             </a:br>
             <a:r>
-              <a:rPr lang="en-US" altLang="ja-JP" smtClean="0"/>
+              <a:rPr lang="en-US" altLang="ja-JP" dirty="0" smtClean="0"/>
               <a:t>TLV</a:t>
             </a:r>
             <a:r>
-              <a:rPr lang="ja-JP" altLang="en-US" smtClean="0"/>
+              <a:rPr lang="ja-JP" altLang="en-US" dirty="0" smtClean="0"/>
               <a:t>内部の実行時間を短くすることが可能</a:t>
             </a:r>
-            <a:endParaRPr lang="en-US" altLang="ja-JP" smtClean="0"/>
+            <a:endParaRPr lang="en-US" altLang="ja-JP" dirty="0" smtClean="0"/>
           </a:p>
           <a:p>
             <a:pPr lvl="2"/>
-            <a:endParaRPr lang="en-US" altLang="ja-JP" smtClean="0"/>
+            <a:endParaRPr lang="en-US" altLang="ja-JP" dirty="0" smtClean="0"/>
           </a:p>
         </p:txBody>
       </p:sp>
@@ -11407,16 +12034,16 @@
               <a:defRPr/>
             </a:pPr>
             <a:r>
-              <a:rPr lang="ja-JP" altLang="en-US" dirty="0" smtClean="0"/>
-              <a:t>従来の</a:t>
-            </a:r>
-            <a:r>
               <a:rPr lang="en-US" altLang="ja-JP" dirty="0" smtClean="0"/>
               <a:t>TLV</a:t>
             </a:r>
             <a:r>
               <a:rPr lang="ja-JP" altLang="en-US" dirty="0" smtClean="0"/>
-              <a:t>の標準形式変換</a:t>
+              <a:t>内部の</a:t>
+            </a:r>
+            <a:r>
+              <a:rPr lang="ja-JP" altLang="en-US" dirty="0" smtClean="0"/>
+              <a:t>標準形式変換</a:t>
             </a:r>
           </a:p>
         </p:txBody>
@@ -11691,7 +12318,7 @@
           <a:graphicData uri="http://schemas.openxmlformats.org/presentationml/2006/ole">
             <mc:AlternateContent xmlns:mc="http://schemas.openxmlformats.org/markup-compatibility/2006">
               <mc:Choice xmlns:v="urn:schemas-microsoft-com:vml" Requires="v">
-                <p:oleObj spid="_x0000_s6195" name="Image" r:id="rId4" imgW="5168254" imgH="5155556" progId="">
+                <p:oleObj spid="_x0000_s6197" name="Image" r:id="rId4" imgW="5168254" imgH="5155556" progId="">
                   <p:embed/>
                 </p:oleObj>
               </mc:Choice>
@@ -12816,19 +13443,12 @@
           <a:lstStyle/>
           <a:p>
             <a:r>
-              <a:rPr lang="ja-JP" altLang="en-US" smtClean="0"/>
-              <a:t>機能１：</a:t>
-            </a:r>
-            <a:r>
-              <a:rPr lang="en-US" altLang="ja-JP" smtClean="0"/>
-              <a:t/>
-            </a:r>
-            <a:br>
-              <a:rPr lang="en-US" altLang="ja-JP" smtClean="0"/>
-            </a:br>
-            <a:r>
-              <a:rPr lang="ja-JP" altLang="en-US" smtClean="0"/>
-              <a:t>標準形式トレースログファイルの直接入力機能</a:t>
+              <a:rPr lang="ja-JP" altLang="en-US" dirty="0" smtClean="0"/>
+              <a:t>標準</a:t>
+            </a:r>
+            <a:r>
+              <a:rPr lang="ja-JP" altLang="en-US" dirty="0" smtClean="0"/>
+              <a:t>形式トレースログファイルの直接入力機能</a:t>
             </a:r>
           </a:p>
         </p:txBody>
@@ -12935,7 +13555,7 @@
             </a:pPr>
             <a:r>
               <a:rPr lang="ja-JP" altLang="en-US" dirty="0" smtClean="0"/>
-              <a:t>機能１の概要</a:t>
+              <a:t>概要</a:t>
             </a:r>
             <a:endParaRPr lang="ja-JP" altLang="en-US" dirty="0"/>
           </a:p>
@@ -12957,38 +13577,58 @@
           <a:lstStyle/>
           <a:p>
             <a:r>
-              <a:rPr lang="en-US" altLang="ja-JP" smtClean="0"/>
-              <a:t>TLV</a:t>
-            </a:r>
-            <a:r>
-              <a:rPr lang="ja-JP" altLang="en-US" smtClean="0"/>
-              <a:t>に直接標準形式トレースログを読み込むことができる機能</a:t>
-            </a:r>
-            <a:endParaRPr lang="en-US" altLang="ja-JP" smtClean="0"/>
+              <a:rPr lang="ja-JP" altLang="en-US" dirty="0" smtClean="0"/>
+              <a:t>標準</a:t>
+            </a:r>
+            <a:r>
+              <a:rPr lang="ja-JP" altLang="en-US" dirty="0" smtClean="0"/>
+              <a:t>形式トレースログ</a:t>
+            </a:r>
+            <a:r>
+              <a:rPr lang="ja-JP" altLang="en-US" dirty="0" smtClean="0"/>
+              <a:t>を直接読み込む</a:t>
+            </a:r>
+            <a:r>
+              <a:rPr lang="ja-JP" altLang="en-US" dirty="0" smtClean="0"/>
+              <a:t>ことができる機能</a:t>
+            </a:r>
+            <a:endParaRPr lang="en-US" altLang="ja-JP" dirty="0" smtClean="0"/>
           </a:p>
           <a:p>
             <a:pPr lvl="1"/>
             <a:r>
-              <a:rPr lang="en-US" altLang="ja-JP" smtClean="0"/>
-              <a:t>TLV</a:t>
-            </a:r>
-            <a:r>
-              <a:rPr lang="ja-JP" altLang="en-US" smtClean="0"/>
-              <a:t>の処理の高速化が可能</a:t>
-            </a:r>
-            <a:endParaRPr lang="en-US" altLang="ja-JP" smtClean="0"/>
+              <a:rPr lang="ja-JP" altLang="en-US" dirty="0" smtClean="0"/>
+              <a:t>標準形式変換が不要</a:t>
+            </a:r>
+            <a:r>
+              <a:rPr lang="en-US" altLang="ja-JP" dirty="0" smtClean="0"/>
+              <a:t>(TLV</a:t>
+            </a:r>
+            <a:r>
+              <a:rPr lang="ja-JP" altLang="en-US" dirty="0" smtClean="0"/>
+              <a:t>の処理の高速化が</a:t>
+            </a:r>
+            <a:r>
+              <a:rPr lang="ja-JP" altLang="en-US" dirty="0" smtClean="0"/>
+              <a:t>可能</a:t>
+            </a:r>
+            <a:r>
+              <a:rPr lang="en-US" altLang="ja-JP" dirty="0" smtClean="0"/>
+              <a:t>)</a:t>
+            </a:r>
+            <a:endParaRPr lang="en-US" altLang="ja-JP" dirty="0" smtClean="0"/>
           </a:p>
           <a:p>
             <a:pPr lvl="1"/>
             <a:r>
-              <a:rPr lang="ja-JP" altLang="en-US" smtClean="0"/>
+              <a:rPr lang="ja-JP" altLang="en-US" dirty="0" smtClean="0"/>
               <a:t>事前に標準形式トレースログファイルを作成する必要がある</a:t>
             </a:r>
-            <a:endParaRPr lang="en-US" altLang="ja-JP" smtClean="0"/>
+            <a:endParaRPr lang="en-US" altLang="ja-JP" dirty="0" smtClean="0"/>
           </a:p>
           <a:p>
             <a:pPr lvl="1"/>
-            <a:endParaRPr lang="en-US" altLang="ja-JP" smtClean="0"/>
+            <a:endParaRPr lang="en-US" altLang="ja-JP" dirty="0" smtClean="0"/>
           </a:p>
         </p:txBody>
       </p:sp>
@@ -13707,7 +14347,7 @@
           <a:graphicData uri="http://schemas.openxmlformats.org/presentationml/2006/ole">
             <mc:AlternateContent xmlns:mc="http://schemas.openxmlformats.org/markup-compatibility/2006">
               <mc:Choice xmlns:v="urn:schemas-microsoft-com:vml" Requires="v">
-                <p:oleObj spid="_x0000_s8238" name="Image" r:id="rId3" imgW="5168254" imgH="5155556" progId="">
+                <p:oleObj spid="_x0000_s8240" name="Image" r:id="rId3" imgW="5168254" imgH="5155556" progId="">
                   <p:embed/>
                 </p:oleObj>
               </mc:Choice>
@@ -13827,16 +14467,8 @@
               <a:defRPr/>
             </a:pPr>
             <a:r>
-              <a:rPr lang="ja-JP" altLang="en-US" dirty="0" smtClean="0"/>
-              <a:t>機能</a:t>
-            </a:r>
-            <a:r>
-              <a:rPr lang="en-US" altLang="ja-JP" dirty="0" smtClean="0"/>
-              <a:t>1</a:t>
-            </a:r>
-            <a:r>
-              <a:rPr lang="ja-JP" altLang="en-US" dirty="0" smtClean="0"/>
-              <a:t>の使い方</a:t>
+              <a:rPr lang="ja-JP" altLang="en-US" dirty="0"/>
+              <a:t>使用方法</a:t>
             </a:r>
             <a:endParaRPr lang="ja-JP" altLang="en-US" dirty="0"/>
           </a:p>
@@ -13959,6 +14591,270 @@
               <a:t>7</a:t>
             </a:fld>
             <a:endParaRPr lang="ja-JP" altLang="en-US"/>
+          </a:p>
+        </p:txBody>
+      </p:sp>
+      <p:sp>
+        <p:nvSpPr>
+          <p:cNvPr id="3" name="正方形/長方形 2"/>
+          <p:cNvSpPr/>
+          <p:nvPr/>
+        </p:nvSpPr>
+        <p:spPr bwMode="auto">
+          <a:xfrm>
+            <a:off x="395536" y="4077072"/>
+            <a:ext cx="1872208" cy="2304256"/>
+          </a:xfrm>
+          <a:prstGeom prst="rect">
+            <a:avLst/>
+          </a:prstGeom>
+          <a:noFill/>
+          <a:ln w="9525" cap="flat" cmpd="sng" algn="ctr">
+            <a:solidFill>
+              <a:schemeClr val="tx1"/>
+            </a:solidFill>
+            <a:prstDash val="solid"/>
+            <a:round/>
+            <a:headEnd type="none" w="med" len="med"/>
+            <a:tailEnd type="none" w="med" len="med"/>
+          </a:ln>
+          <a:effectLst/>
+        </p:spPr>
+        <p:txBody>
+          <a:bodyPr vert="horz" wrap="none" lIns="90000" tIns="46800" rIns="90000" bIns="46800" numCol="1" rtlCol="0" anchor="t" anchorCtr="0" compatLnSpc="1">
+            <a:prstTxWarp prst="textNoShape">
+              <a:avLst/>
+            </a:prstTxWarp>
+            <a:noAutofit/>
+          </a:bodyPr>
+          <a:lstStyle/>
+          <a:p>
+            <a:pPr>
+              <a:lnSpc>
+                <a:spcPct val="90000"/>
+              </a:lnSpc>
+              <a:spcBef>
+                <a:spcPct val="20000"/>
+              </a:spcBef>
+            </a:pPr>
+            <a:r>
+              <a:rPr lang="en-US" altLang="ja-JP" sz="2000" dirty="0">
+                <a:latin typeface="Times New Roman" pitchFamily="18" charset="0"/>
+                <a:ea typeface="ＭＳ ゴシック" pitchFamily="49" charset="-128"/>
+              </a:rPr>
+              <a:t>{</a:t>
+            </a:r>
+          </a:p>
+          <a:p>
+            <a:pPr>
+              <a:lnSpc>
+                <a:spcPct val="90000"/>
+              </a:lnSpc>
+              <a:spcBef>
+                <a:spcPct val="20000"/>
+              </a:spcBef>
+            </a:pPr>
+            <a:r>
+              <a:rPr lang="en-US" altLang="ja-JP" sz="2000" dirty="0">
+                <a:latin typeface="Times New Roman" pitchFamily="18" charset="0"/>
+                <a:ea typeface="ＭＳ ゴシック" pitchFamily="49" charset="-128"/>
+              </a:rPr>
+              <a:t>	"</a:t>
+            </a:r>
+            <a:r>
+              <a:rPr lang="en-US" altLang="ja-JP" sz="2000" dirty="0" err="1">
+                <a:latin typeface="Times New Roman" pitchFamily="18" charset="0"/>
+                <a:ea typeface="ＭＳ ゴシック" pitchFamily="49" charset="-128"/>
+              </a:rPr>
+              <a:t>TimeScale</a:t>
+            </a:r>
+            <a:r>
+              <a:rPr lang="en-US" altLang="ja-JP" sz="2000" dirty="0">
+                <a:latin typeface="Times New Roman" pitchFamily="18" charset="0"/>
+                <a:ea typeface="ＭＳ ゴシック" pitchFamily="49" charset="-128"/>
+              </a:rPr>
+              <a:t>" :"us",</a:t>
+            </a:r>
+          </a:p>
+          <a:p>
+            <a:pPr>
+              <a:lnSpc>
+                <a:spcPct val="90000"/>
+              </a:lnSpc>
+              <a:spcBef>
+                <a:spcPct val="20000"/>
+              </a:spcBef>
+            </a:pPr>
+            <a:r>
+              <a:rPr lang="en-US" altLang="ja-JP" sz="2000" dirty="0">
+                <a:latin typeface="Times New Roman" pitchFamily="18" charset="0"/>
+                <a:ea typeface="ＭＳ ゴシック" pitchFamily="49" charset="-128"/>
+              </a:rPr>
+              <a:t>	"</a:t>
+            </a:r>
+            <a:r>
+              <a:rPr lang="en-US" altLang="ja-JP" sz="2000" dirty="0" err="1">
+                <a:latin typeface="Times New Roman" pitchFamily="18" charset="0"/>
+                <a:ea typeface="ＭＳ ゴシック" pitchFamily="49" charset="-128"/>
+              </a:rPr>
+              <a:t>TimeRadix</a:t>
+            </a:r>
+            <a:r>
+              <a:rPr lang="en-US" altLang="ja-JP" sz="2000" dirty="0">
+                <a:latin typeface="Times New Roman" pitchFamily="18" charset="0"/>
+                <a:ea typeface="ＭＳ ゴシック" pitchFamily="49" charset="-128"/>
+              </a:rPr>
+              <a:t>" :10,</a:t>
+            </a:r>
+          </a:p>
+          <a:p>
+            <a:pPr>
+              <a:lnSpc>
+                <a:spcPct val="90000"/>
+              </a:lnSpc>
+              <a:spcBef>
+                <a:spcPct val="20000"/>
+              </a:spcBef>
+            </a:pPr>
+            <a:r>
+              <a:rPr lang="en-US" altLang="ja-JP" sz="2000" dirty="0">
+                <a:latin typeface="Times New Roman" pitchFamily="18" charset="0"/>
+                <a:ea typeface="ＭＳ ゴシック" pitchFamily="49" charset="-128"/>
+              </a:rPr>
+              <a:t>	"</a:t>
+            </a:r>
+            <a:r>
+              <a:rPr lang="en-US" altLang="ja-JP" sz="2000" dirty="0" err="1">
+                <a:latin typeface="Times New Roman" pitchFamily="18" charset="0"/>
+                <a:ea typeface="ＭＳ ゴシック" pitchFamily="49" charset="-128"/>
+              </a:rPr>
+              <a:t>ConvertRules</a:t>
+            </a:r>
+            <a:r>
+              <a:rPr lang="en-US" altLang="ja-JP" sz="2000" dirty="0">
+                <a:latin typeface="Times New Roman" pitchFamily="18" charset="0"/>
+                <a:ea typeface="ＭＳ ゴシック" pitchFamily="49" charset="-128"/>
+              </a:rPr>
+              <a:t>"   :["</a:t>
+            </a:r>
+            <a:r>
+              <a:rPr lang="en-US" altLang="ja-JP" sz="2000" dirty="0" err="1">
+                <a:latin typeface="Times New Roman" pitchFamily="18" charset="0"/>
+                <a:ea typeface="ＭＳ ゴシック" pitchFamily="49" charset="-128"/>
+              </a:rPr>
+              <a:t>asp_script</a:t>
+            </a:r>
+            <a:r>
+              <a:rPr lang="en-US" altLang="ja-JP" sz="2000" dirty="0">
+                <a:latin typeface="Times New Roman" pitchFamily="18" charset="0"/>
+                <a:ea typeface="ＭＳ ゴシック" pitchFamily="49" charset="-128"/>
+              </a:rPr>
+              <a:t>"],</a:t>
+            </a:r>
+          </a:p>
+          <a:p>
+            <a:pPr>
+              <a:lnSpc>
+                <a:spcPct val="90000"/>
+              </a:lnSpc>
+              <a:spcBef>
+                <a:spcPct val="20000"/>
+              </a:spcBef>
+            </a:pPr>
+            <a:r>
+              <a:rPr lang="en-US" altLang="ja-JP" sz="2000" dirty="0">
+                <a:latin typeface="Times New Roman" pitchFamily="18" charset="0"/>
+                <a:ea typeface="ＭＳ ゴシック" pitchFamily="49" charset="-128"/>
+              </a:rPr>
+              <a:t>	"</a:t>
+            </a:r>
+            <a:r>
+              <a:rPr lang="en-US" altLang="ja-JP" sz="2000" dirty="0" err="1">
+                <a:latin typeface="Times New Roman" pitchFamily="18" charset="0"/>
+                <a:ea typeface="ＭＳ ゴシック" pitchFamily="49" charset="-128"/>
+              </a:rPr>
+              <a:t>VisualizeRules</a:t>
+            </a:r>
+            <a:r>
+              <a:rPr lang="en-US" altLang="ja-JP" sz="2000" dirty="0">
+                <a:latin typeface="Times New Roman" pitchFamily="18" charset="0"/>
+                <a:ea typeface="ＭＳ ゴシック" pitchFamily="49" charset="-128"/>
+              </a:rPr>
+              <a:t>" :["</a:t>
+            </a:r>
+            <a:r>
+              <a:rPr lang="en-US" altLang="ja-JP" sz="2000" dirty="0" err="1">
+                <a:latin typeface="Times New Roman" pitchFamily="18" charset="0"/>
+                <a:ea typeface="ＭＳ ゴシック" pitchFamily="49" charset="-128"/>
+              </a:rPr>
+              <a:t>toppers","asp</a:t>
+            </a:r>
+            <a:r>
+              <a:rPr lang="en-US" altLang="ja-JP" sz="2000" dirty="0">
+                <a:latin typeface="Times New Roman" pitchFamily="18" charset="0"/>
+                <a:ea typeface="ＭＳ ゴシック" pitchFamily="49" charset="-128"/>
+              </a:rPr>
+              <a:t>"],</a:t>
+            </a:r>
+          </a:p>
+          <a:p>
+            <a:pPr>
+              <a:lnSpc>
+                <a:spcPct val="90000"/>
+              </a:lnSpc>
+              <a:spcBef>
+                <a:spcPct val="20000"/>
+              </a:spcBef>
+            </a:pPr>
+            <a:r>
+              <a:rPr lang="en-US" altLang="ja-JP" sz="2000" dirty="0">
+                <a:latin typeface="Times New Roman" pitchFamily="18" charset="0"/>
+                <a:ea typeface="ＭＳ ゴシック" pitchFamily="49" charset="-128"/>
+              </a:rPr>
+              <a:t>	"</a:t>
+            </a:r>
+            <a:r>
+              <a:rPr lang="en-US" altLang="ja-JP" sz="2000" dirty="0" err="1">
+                <a:latin typeface="Times New Roman" pitchFamily="18" charset="0"/>
+                <a:ea typeface="ＭＳ ゴシック" pitchFamily="49" charset="-128"/>
+              </a:rPr>
+              <a:t>ResourceHeaders</a:t>
+            </a:r>
+            <a:r>
+              <a:rPr lang="en-US" altLang="ja-JP" sz="2000" dirty="0">
+                <a:latin typeface="Times New Roman" pitchFamily="18" charset="0"/>
+                <a:ea typeface="ＭＳ ゴシック" pitchFamily="49" charset="-128"/>
+              </a:rPr>
+              <a:t>":["asp"],</a:t>
+            </a:r>
+          </a:p>
+          <a:p>
+            <a:pPr>
+              <a:lnSpc>
+                <a:spcPct val="90000"/>
+              </a:lnSpc>
+              <a:spcBef>
+                <a:spcPct val="20000"/>
+              </a:spcBef>
+            </a:pPr>
+            <a:r>
+              <a:rPr lang="en-US" altLang="ja-JP" sz="2000" dirty="0">
+                <a:latin typeface="Times New Roman" pitchFamily="18" charset="0"/>
+                <a:ea typeface="ＭＳ ゴシック" pitchFamily="49" charset="-128"/>
+              </a:rPr>
+              <a:t>	"Resources":</a:t>
+            </a:r>
+            <a:endParaRPr kumimoji="1" lang="ja-JP" altLang="en-US" sz="2000" b="0" i="0" u="none" strike="noStrike" cap="none" normalizeH="0" baseline="0" dirty="0" smtClean="0">
+              <a:ln>
+                <a:noFill/>
+              </a:ln>
+              <a:solidFill>
+                <a:schemeClr val="tx1"/>
+              </a:solidFill>
+              <a:effectLst/>
+              <a:latin typeface="Times New Roman" pitchFamily="18" charset="0"/>
+              <a:ea typeface="ＭＳ ゴシック" pitchFamily="49" charset="-128"/>
+            </a:endParaRPr>
           </a:p>
         </p:txBody>
       </p:sp>
@@ -14021,7 +14917,7 @@
             </a:pPr>
             <a:r>
               <a:rPr lang="ja-JP" altLang="en-US" dirty="0" smtClean="0"/>
-              <a:t>利用の実例</a:t>
+              <a:t>サンプルファイルの可視化</a:t>
             </a:r>
             <a:endParaRPr lang="ja-JP" altLang="en-US" dirty="0"/>
           </a:p>
@@ -14043,70 +14939,106 @@
           <a:lstStyle/>
           <a:p>
             <a:r>
+              <a:rPr lang="ja-JP" altLang="en-US" sz="2200" dirty="0" smtClean="0"/>
+              <a:t>サンプルファイル</a:t>
+            </a:r>
+            <a:r>
+              <a:rPr lang="en-US" altLang="ja-JP" sz="2200" dirty="0" smtClean="0"/>
+              <a:t>asp_short_standard_format.res </a:t>
+            </a:r>
+            <a:r>
+              <a:rPr lang="ja-JP" altLang="en-US" sz="2200" dirty="0" err="1" smtClean="0"/>
+              <a:t>，</a:t>
+            </a:r>
+            <a:r>
+              <a:rPr lang="en-US" altLang="ja-JP" sz="2200" dirty="0"/>
+              <a:t>asp_short_standard_format.log</a:t>
+            </a:r>
+            <a:r>
+              <a:rPr lang="ja-JP" altLang="en-US" sz="2200" dirty="0" smtClean="0"/>
+              <a:t>を変換</a:t>
+            </a:r>
+            <a:r>
+              <a:rPr lang="ja-JP" altLang="en-US" sz="2200" dirty="0" smtClean="0"/>
+              <a:t>する実例を紹介します</a:t>
+            </a:r>
+            <a:endParaRPr lang="en-US" altLang="ja-JP" sz="2200" dirty="0" smtClean="0"/>
+          </a:p>
+          <a:p>
+            <a:endParaRPr lang="en-US" altLang="ja-JP" sz="2200" dirty="0" smtClean="0"/>
+          </a:p>
+          <a:p>
+            <a:r>
+              <a:rPr lang="ja-JP" altLang="en-US" sz="2200" dirty="0"/>
+              <a:t>使用する</a:t>
+            </a:r>
+            <a:r>
+              <a:rPr lang="ja-JP" altLang="en-US" sz="2200" dirty="0" smtClean="0"/>
+              <a:t>ファイル</a:t>
+            </a:r>
+            <a:endParaRPr lang="en-US" altLang="ja-JP" sz="2200" dirty="0" smtClean="0"/>
+          </a:p>
+          <a:p>
+            <a:pPr lvl="1"/>
+            <a:r>
               <a:rPr lang="ja-JP" altLang="en-US" dirty="0" smtClean="0"/>
-              <a:t>サンプルファイル</a:t>
-            </a:r>
-            <a:r>
-              <a:rPr lang="en-US" altLang="ja-JP" dirty="0" smtClean="0"/>
-              <a:t>asp_short_standard_format.res </a:t>
-            </a:r>
-            <a:r>
-              <a:rPr lang="ja-JP" altLang="en-US" dirty="0" err="1" smtClean="0"/>
-              <a:t>，</a:t>
-            </a:r>
-            <a:r>
-              <a:rPr lang="en-US" altLang="ja-JP" dirty="0"/>
-              <a:t>asp_short_standard_format.log</a:t>
-            </a:r>
+              <a:t>リソースファイル</a:t>
+            </a:r>
+            <a:endParaRPr lang="en-US" altLang="ja-JP" dirty="0" smtClean="0"/>
+          </a:p>
+          <a:p>
+            <a:pPr lvl="2"/>
+            <a:r>
+              <a:rPr lang="en-US" altLang="ja-JP" sz="2200" dirty="0" err="1" smtClean="0"/>
+              <a:t>sampleFiles</a:t>
+            </a:r>
+            <a:r>
+              <a:rPr lang="en-US" altLang="ja-JP" sz="2200" dirty="0" smtClean="0"/>
+              <a:t>/</a:t>
+            </a:r>
+            <a:r>
+              <a:rPr lang="en-US" altLang="ja-JP" sz="2200" dirty="0" err="1" smtClean="0"/>
+              <a:t>SampleLog</a:t>
+            </a:r>
+            <a:r>
+              <a:rPr lang="en-US" altLang="ja-JP" sz="2200" dirty="0" smtClean="0"/>
+              <a:t>/asp</a:t>
+            </a:r>
+            <a:r>
+              <a:rPr lang="en-US" altLang="ja-JP" sz="2200" dirty="0"/>
+              <a:t>/ </a:t>
+            </a:r>
+            <a:r>
+              <a:rPr lang="en-US" altLang="ja-JP" sz="2200" dirty="0" smtClean="0"/>
+              <a:t>asp_short_standard_format.res</a:t>
+            </a:r>
+            <a:endParaRPr lang="en-US" altLang="ja-JP" sz="2200" dirty="0" smtClean="0"/>
+          </a:p>
+          <a:p>
+            <a:pPr lvl="1"/>
             <a:r>
               <a:rPr lang="ja-JP" altLang="en-US" dirty="0" smtClean="0"/>
-              <a:t>を機能</a:t>
-            </a:r>
-            <a:r>
-              <a:rPr lang="en-US" altLang="ja-JP" dirty="0" smtClean="0"/>
-              <a:t>1</a:t>
-            </a:r>
-            <a:r>
-              <a:rPr lang="ja-JP" altLang="en-US" dirty="0" smtClean="0"/>
-              <a:t>を用いて変換する実例を紹介します</a:t>
-            </a:r>
-            <a:endParaRPr lang="en-US" altLang="ja-JP" dirty="0" smtClean="0"/>
-          </a:p>
-          <a:p>
-            <a:endParaRPr lang="en-US" altLang="ja-JP" dirty="0" smtClean="0"/>
-          </a:p>
-          <a:p>
-            <a:r>
-              <a:rPr lang="ja-JP" altLang="en-US" dirty="0" smtClean="0"/>
-              <a:t>登場するファイル</a:t>
-            </a:r>
-            <a:endParaRPr lang="en-US" altLang="ja-JP" dirty="0" smtClean="0"/>
-          </a:p>
-          <a:p>
-            <a:pPr lvl="1"/>
-            <a:r>
-              <a:rPr lang="en-US" altLang="ja-JP" dirty="0" err="1" smtClean="0"/>
+              <a:t>トレースログファイル（標準形式）</a:t>
+            </a:r>
+            <a:endParaRPr lang="en-US" altLang="ja-JP" dirty="0"/>
+          </a:p>
+          <a:p>
+            <a:pPr lvl="2"/>
+            <a:r>
+              <a:rPr lang="en-US" altLang="ja-JP" sz="2200" dirty="0" err="1" smtClean="0"/>
               <a:t>sampleFiles</a:t>
             </a:r>
             <a:r>
-              <a:rPr lang="en-US" altLang="ja-JP" dirty="0" smtClean="0"/>
+              <a:rPr lang="en-US" altLang="ja-JP" sz="2200" dirty="0" smtClean="0"/>
               <a:t>/</a:t>
             </a:r>
             <a:r>
-              <a:rPr lang="en-US" altLang="ja-JP" dirty="0" err="1" smtClean="0"/>
+              <a:rPr lang="en-US" altLang="ja-JP" sz="2200" dirty="0" err="1" smtClean="0"/>
               <a:t>SampleLog</a:t>
             </a:r>
             <a:r>
-              <a:rPr lang="en-US" altLang="ja-JP" dirty="0" smtClean="0"/>
-              <a:t>/asp</a:t>
-            </a:r>
-            <a:r>
-              <a:rPr lang="en-US" altLang="ja-JP" dirty="0"/>
-              <a:t>/ asp_short_standard_format.res </a:t>
-            </a:r>
-            <a:r>
-              <a:rPr lang="ja-JP" altLang="en-US" dirty="0" smtClean="0"/>
-              <a:t>：</a:t>
+              <a:rPr lang="en-US" altLang="ja-JP" sz="2200" dirty="0" smtClean="0"/>
+              <a:t>/asp/a asp_short_standard_format.log</a:t>
             </a:r>
             <a:r>
               <a:rPr lang="en-US" altLang="ja-JP" dirty="0" smtClean="0"/>
@@ -14115,49 +15047,6 @@
             <a:br>
               <a:rPr lang="en-US" altLang="ja-JP" dirty="0" smtClean="0"/>
             </a:br>
-            <a:r>
-              <a:rPr lang="ja-JP" altLang="en-US" dirty="0" smtClean="0"/>
-              <a:t>リソースファイル</a:t>
-            </a:r>
-            <a:endParaRPr lang="en-US" altLang="ja-JP" dirty="0" smtClean="0"/>
-          </a:p>
-          <a:p>
-            <a:pPr lvl="1"/>
-            <a:r>
-              <a:rPr lang="en-US" altLang="ja-JP" dirty="0" err="1"/>
-              <a:t>sampleFiles</a:t>
-            </a:r>
-            <a:r>
-              <a:rPr lang="en-US" altLang="ja-JP" dirty="0"/>
-              <a:t>/</a:t>
-            </a:r>
-            <a:r>
-              <a:rPr lang="en-US" altLang="ja-JP" dirty="0" err="1"/>
-              <a:t>SampleLog</a:t>
-            </a:r>
-            <a:r>
-              <a:rPr lang="en-US" altLang="ja-JP" dirty="0"/>
-              <a:t>/asp/a asp_short_standard_format.log </a:t>
-            </a:r>
-            <a:r>
-              <a:rPr lang="ja-JP" altLang="en-US" dirty="0" smtClean="0"/>
-              <a:t>：</a:t>
-            </a:r>
-            <a:r>
-              <a:rPr lang="en-US" altLang="ja-JP" dirty="0" smtClean="0"/>
-              <a:t/>
-            </a:r>
-            <a:br>
-              <a:rPr lang="en-US" altLang="ja-JP" dirty="0" smtClean="0"/>
-            </a:br>
-            <a:r>
-              <a:rPr lang="ja-JP" altLang="en-US" dirty="0" smtClean="0"/>
-              <a:t>トレースログファイル</a:t>
-            </a:r>
-            <a:endParaRPr lang="en-US" altLang="ja-JP" dirty="0" smtClean="0"/>
-          </a:p>
-          <a:p>
-            <a:pPr lvl="1"/>
             <a:endParaRPr lang="ja-JP" altLang="en-US" dirty="0" smtClean="0"/>
           </a:p>
         </p:txBody>
@@ -14820,8 +15709,8 @@
         </p:nvSpPr>
         <p:spPr bwMode="auto">
           <a:xfrm>
-            <a:off x="4932363" y="3392488"/>
-            <a:ext cx="1979612" cy="468312"/>
+            <a:off x="4932362" y="3392488"/>
+            <a:ext cx="2519957" cy="468312"/>
           </a:xfrm>
           <a:prstGeom prst="wedgeRoundRectCallout">
             <a:avLst>
@@ -14847,7 +15736,7 @@
           <a:lstStyle/>
           <a:p>
             <a:r>
-              <a:rPr lang="ja-JP" altLang="en-US" sz="2000">
+              <a:rPr lang="ja-JP" altLang="en-US" sz="2000" dirty="0">
                 <a:solidFill>
                   <a:srgbClr val="FF0000"/>
                 </a:solidFill>
@@ -14855,7 +15744,7 @@
               <a:t>空白</a:t>
             </a:r>
             <a:r>
-              <a:rPr lang="en-US" altLang="ja-JP" sz="2000">
+              <a:rPr lang="en-US" altLang="ja-JP" sz="2000" dirty="0">
                 <a:solidFill>
                   <a:srgbClr val="FF0000"/>
                 </a:solidFill>
@@ -14863,13 +15752,18 @@
               <a:t>(“”)</a:t>
             </a:r>
             <a:r>
-              <a:rPr lang="ja-JP" altLang="en-US" sz="2000">
+              <a:rPr lang="ja-JP" altLang="en-US" sz="2000" dirty="0" smtClean="0">
                 <a:solidFill>
                   <a:srgbClr val="FF0000"/>
                 </a:solidFill>
               </a:rPr>
-              <a:t>とする</a:t>
-            </a:r>
+              <a:t>となっている</a:t>
+            </a:r>
+            <a:endParaRPr lang="en-US" altLang="ja-JP" sz="2000" dirty="0" smtClean="0">
+              <a:solidFill>
+                <a:srgbClr val="FF0000"/>
+              </a:solidFill>
+            </a:endParaRPr>
           </a:p>
         </p:txBody>
       </p:sp>

--- a/trunk/doc/converter_manual.pptx
+++ b/trunk/doc/converter_manual.pptx
@@ -268,7 +268,7 @@
               <a:pPr>
                 <a:defRPr/>
               </a:pPr>
-              <a:t>2012/3/14</a:t>
+              <a:t>2012/3/23</a:t>
             </a:fld>
             <a:endParaRPr lang="ja-JP" altLang="en-US"/>
           </a:p>
@@ -1057,7 +1057,7 @@
           <a:graphicData uri="http://schemas.openxmlformats.org/presentationml/2006/ole">
             <mc:AlternateContent xmlns:mc="http://schemas.openxmlformats.org/markup-compatibility/2006">
               <mc:Choice xmlns:v="urn:schemas-microsoft-com:vml" Requires="v">
-                <p:oleObj spid="_x0000_s29729" name="Image" r:id="rId3" imgW="12190476" imgH="431594" progId="">
+                <p:oleObj spid="_x0000_s29730" name="Image" r:id="rId3" imgW="12190476" imgH="431594" progId="">
                   <p:embed/>
                 </p:oleObj>
               </mc:Choice>
@@ -3830,7 +3830,7 @@
           <a:graphicData uri="http://schemas.openxmlformats.org/presentationml/2006/ole">
             <mc:AlternateContent xmlns:mc="http://schemas.openxmlformats.org/markup-compatibility/2006">
               <mc:Choice xmlns:v="urn:schemas-microsoft-com:vml" Requires="v">
-                <p:oleObj spid="_x0000_s1063" name="Image" r:id="rId14" imgW="12190476" imgH="431594" progId="">
+                <p:oleObj spid="_x0000_s1064" name="Image" r:id="rId14" imgW="12190476" imgH="431594" progId="">
                   <p:embed/>
                 </p:oleObj>
               </mc:Choice>
@@ -5287,11 +5287,7 @@
           <a:p>
             <a:r>
               <a:rPr lang="ja-JP" altLang="en-US" dirty="0" smtClean="0"/>
-              <a:t>スクリプト</a:t>
-            </a:r>
-            <a:r>
-              <a:rPr lang="ja-JP" altLang="en-US" dirty="0" smtClean="0"/>
-              <a:t>拡張機能を用いた外部変換</a:t>
+              <a:t>スクリプト拡張機能を用いた外部変換</a:t>
             </a:r>
           </a:p>
         </p:txBody>
@@ -5446,15 +5442,7 @@
             </a:r>
             <a:r>
               <a:rPr lang="ja-JP" altLang="en-US" dirty="0" smtClean="0"/>
-              <a:t>から外部のプログラムを呼び出して，外部</a:t>
-            </a:r>
-            <a:r>
-              <a:rPr lang="ja-JP" altLang="en-US" dirty="0" smtClean="0"/>
-              <a:t>で変換処理を行うことができる</a:t>
-            </a:r>
-            <a:r>
-              <a:rPr lang="ja-JP" altLang="en-US" dirty="0" smtClean="0"/>
-              <a:t>．</a:t>
+              <a:t>から外部のプログラムを呼び出して，外部で変換処理を行うことができる．</a:t>
             </a:r>
             <a:endParaRPr lang="en-US" altLang="ja-JP" dirty="0" smtClean="0"/>
           </a:p>
@@ -6627,20 +6615,20 @@
           <p:nvPr>
             <p:extLst>
               <p:ext uri="{D42A27DB-BD31-4B8C-83A1-F6EECF244321}">
-                <p14:modId xmlns:p14="http://schemas.microsoft.com/office/powerpoint/2010/main" val="2687304629"/>
+                <p14:modId xmlns:p14="http://schemas.microsoft.com/office/powerpoint/2010/main" val="3596075591"/>
               </p:ext>
             </p:extLst>
           </p:nvPr>
         </p:nvGraphicFramePr>
         <p:xfrm>
-          <a:off x="6372225" y="3610694"/>
+          <a:off x="6372225" y="3645024"/>
           <a:ext cx="1885950" cy="1577975"/>
         </p:xfrm>
         <a:graphic>
           <a:graphicData uri="http://schemas.openxmlformats.org/presentationml/2006/ole">
             <mc:AlternateContent xmlns:mc="http://schemas.openxmlformats.org/markup-compatibility/2006">
               <mc:Choice xmlns:v="urn:schemas-microsoft-com:vml" Requires="v">
-                <p:oleObj spid="_x0000_s16437" name="Image" r:id="rId3" imgW="5168254" imgH="5155556" progId="">
+                <p:oleObj spid="_x0000_s16438" name="Image" r:id="rId3" imgW="5168254" imgH="5155556" progId="">
                   <p:embed/>
                 </p:oleObj>
               </mc:Choice>
@@ -6670,7 +6658,7 @@
                     </p:blipFill>
                     <p:spPr bwMode="auto">
                       <a:xfrm>
-                        <a:off x="6372225" y="3610694"/>
+                        <a:off x="6372225" y="3645024"/>
                         <a:ext cx="1885950" cy="1577975"/>
                       </a:xfrm>
                       <a:prstGeom prst="rect">
@@ -6862,8 +6850,8 @@
         </p:nvSpPr>
         <p:spPr bwMode="auto">
           <a:xfrm>
-            <a:off x="395536" y="4077072"/>
-            <a:ext cx="1872208" cy="2304256"/>
+            <a:off x="1043608" y="3501008"/>
+            <a:ext cx="5976664" cy="2376264"/>
           </a:xfrm>
           <a:prstGeom prst="rect">
             <a:avLst/>
@@ -6978,6 +6966,9 @@
             </a:pPr>
             <a:r>
               <a:rPr lang="en-US" altLang="ja-JP" sz="2000" dirty="0">
+                <a:solidFill>
+                  <a:srgbClr val="FF0000"/>
+                </a:solidFill>
                 <a:latin typeface="Times New Roman" pitchFamily="18" charset="0"/>
                 <a:ea typeface="ＭＳ ゴシック" pitchFamily="49" charset="-128"/>
               </a:rPr>
@@ -6985,6 +6976,9 @@
             </a:r>
             <a:r>
               <a:rPr lang="en-US" altLang="ja-JP" sz="2000" dirty="0" err="1">
+                <a:solidFill>
+                  <a:srgbClr val="FF0000"/>
+                </a:solidFill>
                 <a:latin typeface="Times New Roman" pitchFamily="18" charset="0"/>
                 <a:ea typeface="ＭＳ ゴシック" pitchFamily="49" charset="-128"/>
               </a:rPr>
@@ -6992,6 +6986,9 @@
             </a:r>
             <a:r>
               <a:rPr lang="en-US" altLang="ja-JP" sz="2000" dirty="0">
+                <a:solidFill>
+                  <a:srgbClr val="FF0000"/>
+                </a:solidFill>
                 <a:latin typeface="Times New Roman" pitchFamily="18" charset="0"/>
                 <a:ea typeface="ＭＳ ゴシック" pitchFamily="49" charset="-128"/>
               </a:rPr>
@@ -6999,6 +6996,9 @@
             </a:r>
             <a:r>
               <a:rPr lang="en-US" altLang="ja-JP" sz="2000" dirty="0" err="1">
+                <a:solidFill>
+                  <a:srgbClr val="FF0000"/>
+                </a:solidFill>
                 <a:latin typeface="Times New Roman" pitchFamily="18" charset="0"/>
                 <a:ea typeface="ＭＳ ゴシック" pitchFamily="49" charset="-128"/>
               </a:rPr>
@@ -7006,6 +7006,9 @@
             </a:r>
             <a:r>
               <a:rPr lang="en-US" altLang="ja-JP" sz="2000" dirty="0">
+                <a:solidFill>
+                  <a:srgbClr val="FF0000"/>
+                </a:solidFill>
                 <a:latin typeface="Times New Roman" pitchFamily="18" charset="0"/>
                 <a:ea typeface="ＭＳ ゴシック" pitchFamily="49" charset="-128"/>
               </a:rPr>
@@ -7115,6 +7118,167 @@
               <a:latin typeface="Times New Roman" pitchFamily="18" charset="0"/>
               <a:ea typeface="ＭＳ ゴシック" pitchFamily="49" charset="-128"/>
             </a:endParaRPr>
+          </a:p>
+        </p:txBody>
+      </p:sp>
+      <p:sp>
+        <p:nvSpPr>
+          <p:cNvPr id="6" name="テキスト ボックス 4"/>
+          <p:cNvSpPr txBox="1">
+            <a:spLocks noChangeArrowheads="1"/>
+          </p:cNvSpPr>
+          <p:nvPr/>
+        </p:nvSpPr>
+        <p:spPr bwMode="auto">
+          <a:xfrm>
+            <a:off x="2483681" y="5969327"/>
+            <a:ext cx="3384550" cy="369332"/>
+          </a:xfrm>
+          <a:prstGeom prst="rect">
+            <a:avLst/>
+          </a:prstGeom>
+          <a:noFill/>
+          <a:ln>
+            <a:noFill/>
+          </a:ln>
+          <a:extLst>
+            <a:ext uri="{909E8E84-426E-40DD-AFC4-6F175D3DCCD1}">
+              <a14:hiddenFill xmlns:a14="http://schemas.microsoft.com/office/drawing/2010/main">
+                <a:solidFill>
+                  <a:srgbClr val="FFFFFF"/>
+                </a:solidFill>
+              </a14:hiddenFill>
+            </a:ext>
+            <a:ext uri="{91240B29-F687-4F45-9708-019B960494DF}">
+              <a14:hiddenLine xmlns:a14="http://schemas.microsoft.com/office/drawing/2010/main" w="9525">
+                <a:solidFill>
+                  <a:srgbClr val="000000"/>
+                </a:solidFill>
+                <a:miter lim="800000"/>
+                <a:headEnd/>
+                <a:tailEnd/>
+              </a14:hiddenLine>
+            </a:ext>
+          </a:extLst>
+        </p:spPr>
+        <p:txBody>
+          <a:bodyPr>
+            <a:spAutoFit/>
+          </a:bodyPr>
+          <a:lstStyle>
+            <a:lvl1pPr eaLnBrk="0" hangingPunct="0">
+              <a:defRPr kumimoji="1">
+                <a:solidFill>
+                  <a:schemeClr val="tx1"/>
+                </a:solidFill>
+                <a:latin typeface="Arial" pitchFamily="34" charset="0"/>
+                <a:ea typeface="ＭＳ Ｐゴシック" pitchFamily="50" charset="-128"/>
+              </a:defRPr>
+            </a:lvl1pPr>
+            <a:lvl2pPr marL="742950" indent="-285750" eaLnBrk="0" hangingPunct="0">
+              <a:defRPr kumimoji="1">
+                <a:solidFill>
+                  <a:schemeClr val="tx1"/>
+                </a:solidFill>
+                <a:latin typeface="Arial" pitchFamily="34" charset="0"/>
+                <a:ea typeface="ＭＳ Ｐゴシック" pitchFamily="50" charset="-128"/>
+              </a:defRPr>
+            </a:lvl2pPr>
+            <a:lvl3pPr marL="1143000" indent="-228600" eaLnBrk="0" hangingPunct="0">
+              <a:defRPr kumimoji="1">
+                <a:solidFill>
+                  <a:schemeClr val="tx1"/>
+                </a:solidFill>
+                <a:latin typeface="Arial" pitchFamily="34" charset="0"/>
+                <a:ea typeface="ＭＳ Ｐゴシック" pitchFamily="50" charset="-128"/>
+              </a:defRPr>
+            </a:lvl3pPr>
+            <a:lvl4pPr marL="1600200" indent="-228600" eaLnBrk="0" hangingPunct="0">
+              <a:defRPr kumimoji="1">
+                <a:solidFill>
+                  <a:schemeClr val="tx1"/>
+                </a:solidFill>
+                <a:latin typeface="Arial" pitchFamily="34" charset="0"/>
+                <a:ea typeface="ＭＳ Ｐゴシック" pitchFamily="50" charset="-128"/>
+              </a:defRPr>
+            </a:lvl4pPr>
+            <a:lvl5pPr marL="2057400" indent="-228600" eaLnBrk="0" hangingPunct="0">
+              <a:defRPr kumimoji="1">
+                <a:solidFill>
+                  <a:schemeClr val="tx1"/>
+                </a:solidFill>
+                <a:latin typeface="Arial" pitchFamily="34" charset="0"/>
+                <a:ea typeface="ＭＳ Ｐゴシック" pitchFamily="50" charset="-128"/>
+              </a:defRPr>
+            </a:lvl5pPr>
+            <a:lvl6pPr marL="2514600" indent="-228600" eaLnBrk="0" fontAlgn="base" hangingPunct="0">
+              <a:spcBef>
+                <a:spcPct val="0"/>
+              </a:spcBef>
+              <a:spcAft>
+                <a:spcPct val="0"/>
+              </a:spcAft>
+              <a:defRPr kumimoji="1">
+                <a:solidFill>
+                  <a:schemeClr val="tx1"/>
+                </a:solidFill>
+                <a:latin typeface="Arial" pitchFamily="34" charset="0"/>
+                <a:ea typeface="ＭＳ Ｐゴシック" pitchFamily="50" charset="-128"/>
+              </a:defRPr>
+            </a:lvl6pPr>
+            <a:lvl7pPr marL="2971800" indent="-228600" eaLnBrk="0" fontAlgn="base" hangingPunct="0">
+              <a:spcBef>
+                <a:spcPct val="0"/>
+              </a:spcBef>
+              <a:spcAft>
+                <a:spcPct val="0"/>
+              </a:spcAft>
+              <a:defRPr kumimoji="1">
+                <a:solidFill>
+                  <a:schemeClr val="tx1"/>
+                </a:solidFill>
+                <a:latin typeface="Arial" pitchFamily="34" charset="0"/>
+                <a:ea typeface="ＭＳ Ｐゴシック" pitchFamily="50" charset="-128"/>
+              </a:defRPr>
+            </a:lvl7pPr>
+            <a:lvl8pPr marL="3429000" indent="-228600" eaLnBrk="0" fontAlgn="base" hangingPunct="0">
+              <a:spcBef>
+                <a:spcPct val="0"/>
+              </a:spcBef>
+              <a:spcAft>
+                <a:spcPct val="0"/>
+              </a:spcAft>
+              <a:defRPr kumimoji="1">
+                <a:solidFill>
+                  <a:schemeClr val="tx1"/>
+                </a:solidFill>
+                <a:latin typeface="Arial" pitchFamily="34" charset="0"/>
+                <a:ea typeface="ＭＳ Ｐゴシック" pitchFamily="50" charset="-128"/>
+              </a:defRPr>
+            </a:lvl8pPr>
+            <a:lvl9pPr marL="3886200" indent="-228600" eaLnBrk="0" fontAlgn="base" hangingPunct="0">
+              <a:spcBef>
+                <a:spcPct val="0"/>
+              </a:spcBef>
+              <a:spcAft>
+                <a:spcPct val="0"/>
+              </a:spcAft>
+              <a:defRPr kumimoji="1">
+                <a:solidFill>
+                  <a:schemeClr val="tx1"/>
+                </a:solidFill>
+                <a:latin typeface="Arial" pitchFamily="34" charset="0"/>
+                <a:ea typeface="ＭＳ Ｐゴシック" pitchFamily="50" charset="-128"/>
+              </a:defRPr>
+            </a:lvl9pPr>
+          </a:lstStyle>
+          <a:p>
+            <a:pPr algn="ctr" eaLnBrk="1" hangingPunct="1"/>
+            <a:r>
+              <a:rPr lang="ja-JP" altLang="en-US" dirty="0" smtClean="0"/>
+              <a:t>リソースファイルの設定例</a:t>
+            </a:r>
+            <a:endParaRPr lang="en-US" altLang="ja-JP" dirty="0"/>
           </a:p>
         </p:txBody>
       </p:sp>
@@ -7472,13 +7636,13 @@
           <p:nvPr>
             <p:extLst>
               <p:ext uri="{D42A27DB-BD31-4B8C-83A1-F6EECF244321}">
-                <p14:modId xmlns:p14="http://schemas.microsoft.com/office/powerpoint/2010/main" val="1188980380"/>
+                <p14:modId xmlns:p14="http://schemas.microsoft.com/office/powerpoint/2010/main" val="3879888580"/>
               </p:ext>
             </p:extLst>
           </p:nvPr>
         </p:nvGraphicFramePr>
         <p:xfrm>
-          <a:off x="4499992" y="4797152"/>
+          <a:off x="4499992" y="4896544"/>
           <a:ext cx="4434205" cy="1484784"/>
         </p:xfrm>
         <a:graphic>
@@ -7703,189 +7867,175 @@
           <a:lstStyle/>
           <a:p>
             <a:r>
-              <a:rPr lang="ja-JP" altLang="en-US" dirty="0" smtClean="0"/>
+              <a:rPr lang="ja-JP" altLang="en-US" sz="2200" dirty="0" smtClean="0"/>
               <a:t>サンプルファイル</a:t>
             </a:r>
             <a:r>
-              <a:rPr lang="en-US" altLang="ja-JP" dirty="0" smtClean="0"/>
+              <a:rPr lang="en-US" altLang="ja-JP" sz="2200" dirty="0" smtClean="0"/>
               <a:t>asp_short.res</a:t>
             </a:r>
             <a:r>
-              <a:rPr lang="ja-JP" altLang="en-US" dirty="0" err="1" smtClean="0"/>
+              <a:rPr lang="ja-JP" altLang="en-US" sz="2200" dirty="0" err="1" smtClean="0"/>
               <a:t>，</a:t>
             </a:r>
             <a:r>
-              <a:rPr lang="en-US" altLang="ja-JP" dirty="0" smtClean="0"/>
+              <a:rPr lang="en-US" altLang="ja-JP" sz="2200" dirty="0" smtClean="0"/>
               <a:t>asp_short.log</a:t>
             </a:r>
             <a:r>
-              <a:rPr lang="ja-JP" altLang="en-US" dirty="0" smtClean="0"/>
+              <a:rPr lang="ja-JP" altLang="en-US" sz="2200" dirty="0" smtClean="0"/>
               <a:t>をスクリプト拡張機能を用いて変換する実例を紹介します</a:t>
             </a:r>
-            <a:endParaRPr lang="en-US" altLang="ja-JP" dirty="0" smtClean="0"/>
-          </a:p>
-          <a:p>
-            <a:endParaRPr lang="en-US" altLang="ja-JP" dirty="0" smtClean="0"/>
-          </a:p>
-          <a:p>
-            <a:r>
-              <a:rPr lang="ja-JP" altLang="en-US" dirty="0" smtClean="0"/>
-              <a:t>使用する</a:t>
-            </a:r>
-            <a:r>
-              <a:rPr lang="ja-JP" altLang="en-US" dirty="0" smtClean="0"/>
-              <a:t>ファイル</a:t>
-            </a:r>
-            <a:endParaRPr lang="en-US" altLang="ja-JP" dirty="0" smtClean="0"/>
+            <a:endParaRPr lang="en-US" altLang="ja-JP" sz="2200" dirty="0" smtClean="0"/>
+          </a:p>
+          <a:p>
+            <a:pPr lvl="3"/>
+            <a:endParaRPr lang="en-US" altLang="ja-JP" sz="1600" dirty="0" smtClean="0"/>
+          </a:p>
+          <a:p>
+            <a:r>
+              <a:rPr lang="ja-JP" altLang="en-US" sz="2200" dirty="0" smtClean="0"/>
+              <a:t>使用するファイル</a:t>
+            </a:r>
+            <a:endParaRPr lang="en-US" altLang="ja-JP" sz="2200" dirty="0" smtClean="0"/>
           </a:p>
           <a:p>
             <a:pPr lvl="1"/>
-            <a:r>
-              <a:rPr lang="en-US" altLang="ja-JP" dirty="0" err="1" smtClean="0"/>
-              <a:t>sampleFiles</a:t>
-            </a:r>
-            <a:r>
-              <a:rPr lang="en-US" altLang="ja-JP" dirty="0" smtClean="0"/>
-              <a:t>/</a:t>
-            </a:r>
-            <a:r>
-              <a:rPr lang="en-US" altLang="ja-JP" dirty="0" err="1" smtClean="0"/>
-              <a:t>SampleLog</a:t>
-            </a:r>
-            <a:r>
-              <a:rPr lang="en-US" altLang="ja-JP" dirty="0" smtClean="0"/>
-              <a:t>/asp/asp_short.res</a:t>
-            </a:r>
-            <a:r>
-              <a:rPr lang="ja-JP" altLang="en-US" dirty="0" smtClean="0"/>
-              <a:t>：リソースファイル</a:t>
-            </a:r>
-            <a:endParaRPr lang="en-US" altLang="ja-JP" dirty="0" smtClean="0"/>
-          </a:p>
-          <a:p>
-            <a:pPr lvl="1"/>
-            <a:r>
-              <a:rPr lang="en-US" altLang="ja-JP" dirty="0" err="1" smtClean="0"/>
-              <a:t>sampleFiles</a:t>
-            </a:r>
-            <a:r>
-              <a:rPr lang="en-US" altLang="ja-JP" dirty="0" smtClean="0"/>
-              <a:t>/</a:t>
-            </a:r>
-            <a:r>
-              <a:rPr lang="en-US" altLang="ja-JP" dirty="0" err="1" smtClean="0"/>
-              <a:t>SampleLog</a:t>
-            </a:r>
-            <a:r>
-              <a:rPr lang="en-US" altLang="ja-JP" dirty="0" smtClean="0"/>
-              <a:t>/asp/asp_short_script.res</a:t>
-            </a:r>
-            <a:r>
-              <a:rPr lang="ja-JP" altLang="en-US" dirty="0" smtClean="0"/>
-              <a:t>：</a:t>
-            </a:r>
-            <a:r>
-              <a:rPr lang="en-US" altLang="ja-JP" dirty="0" smtClean="0"/>
-              <a:t/>
-            </a:r>
-            <a:br>
-              <a:rPr lang="en-US" altLang="ja-JP" dirty="0" smtClean="0"/>
-            </a:br>
             <a:r>
               <a:rPr lang="ja-JP" altLang="en-US" dirty="0" smtClean="0"/>
               <a:t>機能</a:t>
             </a:r>
             <a:r>
-              <a:rPr lang="en-US" altLang="ja-JP" dirty="0" smtClean="0"/>
+              <a:rPr lang="en-US" altLang="ja-JP" dirty="0"/>
               <a:t>2</a:t>
             </a:r>
             <a:r>
+              <a:rPr lang="ja-JP" altLang="en-US" dirty="0"/>
+              <a:t>を用いるように変更した</a:t>
+            </a:r>
+            <a:r>
               <a:rPr lang="ja-JP" altLang="en-US" dirty="0" smtClean="0"/>
-              <a:t>を用いるように変更したリソースファイル</a:t>
+              <a:t>リソースファイル</a:t>
             </a:r>
             <a:endParaRPr lang="en-US" altLang="ja-JP" dirty="0" smtClean="0"/>
           </a:p>
           <a:p>
+            <a:pPr lvl="2"/>
+            <a:r>
+              <a:rPr lang="en-US" altLang="ja-JP" sz="2200" dirty="0" err="1" smtClean="0"/>
+              <a:t>sampleFiles</a:t>
+            </a:r>
+            <a:r>
+              <a:rPr lang="en-US" altLang="ja-JP" sz="2200" dirty="0" smtClean="0"/>
+              <a:t>/</a:t>
+            </a:r>
+            <a:r>
+              <a:rPr lang="en-US" altLang="ja-JP" sz="2200" dirty="0" err="1" smtClean="0"/>
+              <a:t>SampleLog</a:t>
+            </a:r>
+            <a:r>
+              <a:rPr lang="en-US" altLang="ja-JP" sz="2200" dirty="0" smtClean="0"/>
+              <a:t>/asp/asp_short_script.res</a:t>
+            </a:r>
+            <a:endParaRPr lang="en-US" altLang="ja-JP" sz="2200" dirty="0"/>
+          </a:p>
+          <a:p>
             <a:pPr lvl="1"/>
             <a:r>
-              <a:rPr lang="en-US" altLang="ja-JP" dirty="0" err="1" smtClean="0"/>
+              <a:rPr lang="ja-JP" altLang="en-US" dirty="0" smtClean="0"/>
+              <a:t>トレースログファイル</a:t>
+            </a:r>
+            <a:endParaRPr lang="en-US" altLang="ja-JP" dirty="0" smtClean="0"/>
+          </a:p>
+          <a:p>
+            <a:pPr lvl="2"/>
+            <a:r>
+              <a:rPr lang="en-US" altLang="ja-JP" sz="2200" dirty="0" err="1" smtClean="0"/>
               <a:t>sampleFiles</a:t>
             </a:r>
             <a:r>
-              <a:rPr lang="en-US" altLang="ja-JP" dirty="0" smtClean="0"/>
+              <a:rPr lang="en-US" altLang="ja-JP" sz="2200" dirty="0" smtClean="0"/>
               <a:t>/</a:t>
             </a:r>
             <a:r>
-              <a:rPr lang="en-US" altLang="ja-JP" dirty="0" err="1" smtClean="0"/>
+              <a:rPr lang="en-US" altLang="ja-JP" sz="2200" dirty="0" err="1" smtClean="0"/>
               <a:t>SampleLog</a:t>
             </a:r>
             <a:r>
-              <a:rPr lang="en-US" altLang="ja-JP" dirty="0" smtClean="0"/>
+              <a:rPr lang="en-US" altLang="ja-JP" sz="2200" dirty="0" smtClean="0"/>
               <a:t>/asp/asp_short.log</a:t>
             </a:r>
+            <a:endParaRPr lang="en-US" altLang="ja-JP" sz="2200" dirty="0"/>
+          </a:p>
+          <a:p>
+            <a:pPr lvl="1"/>
             <a:r>
               <a:rPr lang="ja-JP" altLang="en-US" dirty="0" smtClean="0"/>
-              <a:t>：トレースログファイル</a:t>
+              <a:t>変換スクリプト</a:t>
             </a:r>
             <a:endParaRPr lang="en-US" altLang="ja-JP" dirty="0" smtClean="0"/>
           </a:p>
           <a:p>
-            <a:pPr lvl="1"/>
-            <a:r>
-              <a:rPr lang="en-US" altLang="ja-JP" dirty="0" err="1" smtClean="0"/>
+            <a:pPr lvl="2"/>
+            <a:r>
+              <a:rPr lang="en-US" altLang="ja-JP" sz="2200" dirty="0" err="1" smtClean="0"/>
               <a:t>convertRules</a:t>
             </a:r>
             <a:r>
-              <a:rPr lang="en-US" altLang="ja-JP" dirty="0" smtClean="0"/>
+              <a:rPr lang="en-US" altLang="ja-JP" sz="2200" dirty="0" smtClean="0"/>
               <a:t>/asp_converter2.rb</a:t>
             </a:r>
-            <a:r>
-              <a:rPr lang="ja-JP" altLang="en-US" dirty="0" smtClean="0"/>
-              <a:t>：変換スクリプト</a:t>
-            </a:r>
-            <a:endParaRPr lang="en-US" altLang="ja-JP" dirty="0" smtClean="0"/>
+            <a:endParaRPr lang="en-US" altLang="ja-JP" sz="2200" dirty="0" smtClean="0"/>
           </a:p>
           <a:p>
             <a:pPr marL="714375" lvl="2" indent="0">
               <a:buNone/>
             </a:pPr>
             <a:r>
-              <a:rPr lang="en-US" altLang="ja-JP" dirty="0" smtClean="0"/>
+              <a:rPr lang="en-US" altLang="ja-JP" sz="2200" dirty="0" smtClean="0"/>
               <a:t>※FMP</a:t>
             </a:r>
             <a:r>
-              <a:rPr lang="ja-JP" altLang="en-US" dirty="0" smtClean="0"/>
+              <a:rPr lang="ja-JP" altLang="en-US" sz="2200" dirty="0" smtClean="0"/>
               <a:t>の場合は</a:t>
             </a:r>
             <a:r>
-              <a:rPr lang="en-US" altLang="ja-JP" dirty="0" smtClean="0"/>
+              <a:rPr lang="en-US" altLang="ja-JP" sz="2200" dirty="0" smtClean="0"/>
               <a:t>fmp_converter2.rb</a:t>
             </a:r>
             <a:r>
-              <a:rPr lang="ja-JP" altLang="en-US" dirty="0" smtClean="0"/>
-              <a:t>を使用します．</a:t>
+              <a:rPr lang="ja-JP" altLang="en-US" sz="2200" dirty="0" smtClean="0"/>
+              <a:t>を使用</a:t>
+            </a:r>
+            <a:r>
+              <a:rPr lang="ja-JP" altLang="en-US" sz="2200" dirty="0" smtClean="0"/>
+              <a:t>します</a:t>
+            </a:r>
+            <a:endParaRPr lang="en-US" altLang="ja-JP" sz="2200" dirty="0" smtClean="0"/>
+          </a:p>
+          <a:p>
+            <a:pPr lvl="1"/>
+            <a:r>
+              <a:rPr lang="ja-JP" altLang="en-US" dirty="0"/>
+              <a:t>変換ルールファイル</a:t>
             </a:r>
             <a:endParaRPr lang="en-US" altLang="ja-JP" dirty="0" smtClean="0"/>
           </a:p>
           <a:p>
-            <a:pPr lvl="1"/>
-            <a:r>
-              <a:rPr lang="en-US" altLang="ja-JP" dirty="0" err="1" smtClean="0"/>
+            <a:pPr lvl="2"/>
+            <a:r>
+              <a:rPr lang="en-US" altLang="ja-JP" sz="2200" dirty="0" err="1" smtClean="0"/>
               <a:t>convertRules</a:t>
             </a:r>
             <a:r>
-              <a:rPr lang="en-US" altLang="ja-JP" dirty="0" smtClean="0"/>
+              <a:rPr lang="en-US" altLang="ja-JP" sz="2200" dirty="0" smtClean="0"/>
               <a:t>/</a:t>
             </a:r>
             <a:r>
-              <a:rPr lang="en-US" altLang="ja-JP" dirty="0" err="1" smtClean="0"/>
+              <a:rPr lang="en-US" altLang="ja-JP" sz="2200" dirty="0" err="1" smtClean="0"/>
               <a:t>asp_script.cnv</a:t>
             </a:r>
-            <a:r>
-              <a:rPr lang="ja-JP" altLang="en-US" dirty="0" smtClean="0"/>
-              <a:t>：変換ルールファイル</a:t>
-            </a:r>
-            <a:endParaRPr lang="en-US" altLang="ja-JP" dirty="0" smtClean="0"/>
+            <a:endParaRPr lang="en-US" altLang="ja-JP" sz="2200" dirty="0" smtClean="0"/>
           </a:p>
           <a:p>
             <a:pPr lvl="1"/>
@@ -7919,130 +8069,6 @@
               <a:t>15</a:t>
             </a:fld>
             <a:endParaRPr lang="ja-JP" altLang="en-US"/>
-          </a:p>
-        </p:txBody>
-      </p:sp>
-      <p:sp>
-        <p:nvSpPr>
-          <p:cNvPr id="3" name="角丸四角形吹き出し 2"/>
-          <p:cNvSpPr/>
-          <p:nvPr/>
-        </p:nvSpPr>
-        <p:spPr bwMode="auto">
-          <a:xfrm>
-            <a:off x="8460432" y="1340768"/>
-            <a:ext cx="1440160" cy="1440160"/>
-          </a:xfrm>
-          <a:prstGeom prst="wedgeRoundRectCallout">
-            <a:avLst/>
-          </a:prstGeom>
-          <a:ln>
-            <a:headEnd type="none" w="med" len="med"/>
-            <a:tailEnd type="none" w="med" len="med"/>
-          </a:ln>
-        </p:spPr>
-        <p:style>
-          <a:lnRef idx="2">
-            <a:schemeClr val="accent1">
-              <a:shade val="50000"/>
-            </a:schemeClr>
-          </a:lnRef>
-          <a:fillRef idx="1">
-            <a:schemeClr val="accent1"/>
-          </a:fillRef>
-          <a:effectRef idx="0">
-            <a:schemeClr val="accent1"/>
-          </a:effectRef>
-          <a:fontRef idx="minor">
-            <a:schemeClr val="lt1"/>
-          </a:fontRef>
-        </p:style>
-        <p:txBody>
-          <a:bodyPr vert="horz" wrap="none" lIns="90000" tIns="46800" rIns="90000" bIns="46800" numCol="1" rtlCol="0" anchor="t" anchorCtr="0" compatLnSpc="1">
-            <a:prstTxWarp prst="textNoShape">
-              <a:avLst/>
-            </a:prstTxWarp>
-            <a:noAutofit/>
-          </a:bodyPr>
-          <a:lstStyle/>
-          <a:p>
-            <a:pPr marL="0" marR="0" indent="0" algn="l" defTabSz="914400" rtl="0" eaLnBrk="1" fontAlgn="base" latinLnBrk="0" hangingPunct="1">
-              <a:lnSpc>
-                <a:spcPct val="90000"/>
-              </a:lnSpc>
-              <a:spcBef>
-                <a:spcPct val="20000"/>
-              </a:spcBef>
-              <a:spcAft>
-                <a:spcPct val="0"/>
-              </a:spcAft>
-              <a:buClrTx/>
-              <a:buSzTx/>
-              <a:buFontTx/>
-              <a:buNone/>
-              <a:tabLst/>
-            </a:pPr>
-            <a:r>
-              <a:rPr lang="en-US" altLang="ja-JP" sz="2000" dirty="0" smtClean="0">
-                <a:latin typeface="Times New Roman" pitchFamily="18" charset="0"/>
-                <a:ea typeface="ＭＳ ゴシック" pitchFamily="49" charset="-128"/>
-              </a:rPr>
-              <a:t>8</a:t>
-            </a:r>
-            <a:r>
-              <a:rPr lang="ja-JP" altLang="en-US" sz="2000" dirty="0" smtClean="0">
-                <a:latin typeface="Times New Roman" pitchFamily="18" charset="0"/>
-                <a:ea typeface="ＭＳ ゴシック" pitchFamily="49" charset="-128"/>
-              </a:rPr>
-              <a:t>ページとフォーマットを</a:t>
-            </a:r>
-            <a:endParaRPr lang="en-US" altLang="ja-JP" sz="2000" dirty="0" smtClean="0">
-              <a:latin typeface="Times New Roman" pitchFamily="18" charset="0"/>
-              <a:ea typeface="ＭＳ ゴシック" pitchFamily="49" charset="-128"/>
-            </a:endParaRPr>
-          </a:p>
-          <a:p>
-            <a:pPr marL="0" marR="0" indent="0" algn="l" defTabSz="914400" rtl="0" eaLnBrk="1" fontAlgn="base" latinLnBrk="0" hangingPunct="1">
-              <a:lnSpc>
-                <a:spcPct val="90000"/>
-              </a:lnSpc>
-              <a:spcBef>
-                <a:spcPct val="20000"/>
-              </a:spcBef>
-              <a:spcAft>
-                <a:spcPct val="0"/>
-              </a:spcAft>
-              <a:buClrTx/>
-              <a:buSzTx/>
-              <a:buFontTx/>
-              <a:buNone/>
-              <a:tabLst/>
-            </a:pPr>
-            <a:r>
-              <a:rPr kumimoji="1" lang="ja-JP" altLang="en-US" sz="2000" b="0" i="0" u="none" strike="noStrike" cap="none" normalizeH="0" baseline="0" dirty="0">
-                <a:ln>
-                  <a:noFill/>
-                </a:ln>
-                <a:solidFill>
-                  <a:schemeClr val="tx1"/>
-                </a:solidFill>
-                <a:effectLst/>
-                <a:latin typeface="Times New Roman" pitchFamily="18" charset="0"/>
-                <a:ea typeface="ＭＳ ゴシック" pitchFamily="49" charset="-128"/>
-              </a:rPr>
-              <a:t>合わせる</a:t>
-            </a:r>
-            <a:endParaRPr kumimoji="1" lang="ja-JP" altLang="en-US" sz="2000" b="0" i="0" u="none" strike="noStrike" cap="none" normalizeH="0" baseline="0" dirty="0" smtClean="0">
-              <a:ln>
-                <a:noFill/>
-              </a:ln>
-              <a:solidFill>
-                <a:schemeClr val="tx1"/>
-              </a:solidFill>
-              <a:effectLst/>
-              <a:latin typeface="Times New Roman" pitchFamily="18" charset="0"/>
-              <a:ea typeface="ＭＳ ゴシック" pitchFamily="49" charset="-128"/>
-            </a:endParaRPr>
           </a:p>
         </p:txBody>
       </p:sp>
@@ -8156,11 +8182,7 @@
             </a:r>
             <a:r>
               <a:rPr lang="ja-JP" altLang="en-US" dirty="0" smtClean="0"/>
-              <a:t>プログラム）を</a:t>
-            </a:r>
-            <a:r>
-              <a:rPr lang="ja-JP" altLang="en-US" dirty="0" smtClean="0"/>
-              <a:t>使用するよう</a:t>
+              <a:t>プログラム）を使用するよう</a:t>
             </a:r>
             <a:r>
               <a:rPr lang="en-US" altLang="ja-JP" dirty="0" smtClean="0"/>
@@ -9034,7 +9056,7 @@
         </p:nvSpPr>
         <p:spPr bwMode="auto">
           <a:xfrm>
-            <a:off x="6516688" y="1773238"/>
+            <a:off x="6804347" y="1916832"/>
             <a:ext cx="2016125" cy="368300"/>
           </a:xfrm>
           <a:prstGeom prst="rect">
@@ -9178,10 +9200,10 @@
           <a:p>
             <a:pPr eaLnBrk="1" hangingPunct="1"/>
             <a:r>
-              <a:rPr lang="en-US" altLang="ja-JP"/>
+              <a:rPr lang="en-US" altLang="ja-JP" dirty="0" err="1"/>
               <a:t>asp_script.cnv</a:t>
             </a:r>
-            <a:endParaRPr lang="ja-JP" altLang="en-US"/>
+            <a:endParaRPr lang="ja-JP" altLang="en-US" dirty="0"/>
           </a:p>
         </p:txBody>
       </p:sp>
@@ -9193,13 +9215,13 @@
         </p:nvSpPr>
         <p:spPr bwMode="auto">
           <a:xfrm>
-            <a:off x="5525939" y="773383"/>
-            <a:ext cx="1440160" cy="1440160"/>
+            <a:off x="4514009" y="3965551"/>
+            <a:ext cx="4018804" cy="360561"/>
           </a:xfrm>
           <a:prstGeom prst="wedgeRoundRectCallout">
             <a:avLst>
-              <a:gd name="adj1" fmla="val -170907"/>
-              <a:gd name="adj2" fmla="val 111150"/>
+              <a:gd name="adj1" fmla="val -64980"/>
+              <a:gd name="adj2" fmla="val -111916"/>
               <a:gd name="adj3" fmla="val 16667"/>
             </a:avLst>
           </a:prstGeom>
@@ -9250,120 +9272,76 @@
               <a:tabLst/>
             </a:pPr>
             <a:r>
-              <a:rPr lang="ja-JP" altLang="en-US" sz="2400" dirty="0" smtClean="0">
+              <a:rPr lang="ja-JP" altLang="en-US" dirty="0" smtClean="0">
                 <a:solidFill>
                   <a:schemeClr val="tx1"/>
                 </a:solidFill>
                 <a:latin typeface="Times New Roman" pitchFamily="18" charset="0"/>
                 <a:ea typeface="ＭＳ ゴシック" pitchFamily="49" charset="-128"/>
               </a:rPr>
-              <a:t>注意書き</a:t>
-            </a:r>
-            <a:r>
-              <a:rPr lang="en-US" altLang="ja-JP" sz="2400" dirty="0" smtClean="0">
+              <a:t>パス</a:t>
+            </a:r>
+            <a:r>
+              <a:rPr lang="ja-JP" altLang="en-US" dirty="0" smtClean="0">
                 <a:solidFill>
                   <a:schemeClr val="tx1"/>
                 </a:solidFill>
                 <a:latin typeface="Times New Roman" pitchFamily="18" charset="0"/>
                 <a:ea typeface="ＭＳ ゴシック" pitchFamily="49" charset="-128"/>
               </a:rPr>
-              <a:t/>
-            </a:r>
-            <a:br>
-              <a:rPr lang="en-US" altLang="ja-JP" sz="2400" dirty="0" smtClean="0">
+              <a:t>の指定は，</a:t>
+            </a:r>
+            <a:r>
+              <a:rPr lang="en-US" altLang="ja-JP" dirty="0" smtClean="0">
                 <a:solidFill>
                   <a:schemeClr val="tx1"/>
                 </a:solidFill>
                 <a:latin typeface="Times New Roman" pitchFamily="18" charset="0"/>
                 <a:ea typeface="ＭＳ ゴシック" pitchFamily="49" charset="-128"/>
               </a:rPr>
-            </a:br>
-            <a:r>
-              <a:rPr lang="ja-JP" altLang="en-US" sz="2400" dirty="0" smtClean="0">
+              <a:t>\</a:t>
+            </a:r>
+            <a:r>
+              <a:rPr lang="ja-JP" altLang="en-US" dirty="0" smtClean="0">
                 <a:solidFill>
                   <a:schemeClr val="tx1"/>
                 </a:solidFill>
                 <a:latin typeface="Times New Roman" pitchFamily="18" charset="0"/>
                 <a:ea typeface="ＭＳ ゴシック" pitchFamily="49" charset="-128"/>
               </a:rPr>
-              <a:t>を追加．</a:t>
-            </a:r>
-            <a:endParaRPr lang="en-US" altLang="ja-JP" sz="2400" dirty="0" smtClean="0">
-              <a:solidFill>
-                <a:schemeClr val="tx1"/>
-              </a:solidFill>
-              <a:latin typeface="Times New Roman" pitchFamily="18" charset="0"/>
-              <a:ea typeface="ＭＳ ゴシック" pitchFamily="49" charset="-128"/>
-            </a:endParaRPr>
-          </a:p>
-          <a:p>
-            <a:pPr marL="0" marR="0" indent="0" algn="l" defTabSz="914400" rtl="0" eaLnBrk="1" fontAlgn="base" latinLnBrk="0" hangingPunct="1">
-              <a:lnSpc>
-                <a:spcPct val="90000"/>
-              </a:lnSpc>
-              <a:spcBef>
-                <a:spcPct val="20000"/>
-              </a:spcBef>
-              <a:spcAft>
-                <a:spcPct val="0"/>
-              </a:spcAft>
-              <a:buClrTx/>
-              <a:buSzTx/>
-              <a:buFontTx/>
-              <a:buNone/>
-              <a:tabLst/>
-            </a:pPr>
-            <a:r>
-              <a:rPr lang="ja-JP" altLang="en-US" sz="2400" dirty="0" smtClean="0">
+              <a:t>ではなく</a:t>
+            </a:r>
+            <a:r>
+              <a:rPr lang="en-US" altLang="ja-JP" dirty="0" smtClean="0">
                 <a:solidFill>
                   <a:schemeClr val="tx1"/>
                 </a:solidFill>
                 <a:latin typeface="Times New Roman" pitchFamily="18" charset="0"/>
                 <a:ea typeface="ＭＳ ゴシック" pitchFamily="49" charset="-128"/>
               </a:rPr>
-              <a:t>パスの指定は，</a:t>
-            </a:r>
-            <a:r>
-              <a:rPr lang="en-US" altLang="ja-JP" sz="2400" dirty="0" smtClean="0">
+              <a:t>/</a:t>
+            </a:r>
+            <a:r>
+              <a:rPr lang="ja-JP" altLang="en-US" dirty="0" smtClean="0">
                 <a:solidFill>
                   <a:schemeClr val="tx1"/>
                 </a:solidFill>
                 <a:latin typeface="Times New Roman" pitchFamily="18" charset="0"/>
                 <a:ea typeface="ＭＳ ゴシック" pitchFamily="49" charset="-128"/>
               </a:rPr>
-              <a:t>\</a:t>
-            </a:r>
-            <a:r>
-              <a:rPr lang="ja-JP" altLang="en-US" sz="2400" dirty="0" smtClean="0">
+              <a:t>で行う</a:t>
+            </a:r>
+            <a:r>
+              <a:rPr lang="ja-JP" altLang="en-US" dirty="0" smtClean="0">
                 <a:solidFill>
                   <a:schemeClr val="tx1"/>
                 </a:solidFill>
                 <a:latin typeface="Times New Roman" pitchFamily="18" charset="0"/>
                 <a:ea typeface="ＭＳ ゴシック" pitchFamily="49" charset="-128"/>
               </a:rPr>
-              <a:t>ではなく</a:t>
-            </a:r>
-            <a:r>
-              <a:rPr lang="en-US" altLang="ja-JP" sz="2400" dirty="0" smtClean="0">
-                <a:solidFill>
-                  <a:schemeClr val="tx1"/>
-                </a:solidFill>
-                <a:latin typeface="Times New Roman" pitchFamily="18" charset="0"/>
-                <a:ea typeface="ＭＳ ゴシック" pitchFamily="49" charset="-128"/>
-              </a:rPr>
-              <a:t>/</a:t>
-            </a:r>
-            <a:r>
-              <a:rPr lang="ja-JP" altLang="en-US" sz="2400" dirty="0" smtClean="0">
-                <a:solidFill>
-                  <a:schemeClr val="tx1"/>
-                </a:solidFill>
-                <a:latin typeface="Times New Roman" pitchFamily="18" charset="0"/>
-                <a:ea typeface="ＭＳ ゴシック" pitchFamily="49" charset="-128"/>
-              </a:rPr>
-              <a:t>で行うこと．</a:t>
-            </a:r>
-            <a:endParaRPr lang="en-US" altLang="ja-JP" sz="2400" dirty="0" smtClean="0">
+              <a:t>こと</a:t>
+            </a:r>
+            <a:endParaRPr lang="en-US" altLang="ja-JP" dirty="0" smtClean="0">
               <a:solidFill>
                 <a:schemeClr val="tx1"/>
               </a:solidFill>
@@ -10268,26 +10246,14 @@
             </a:r>
             <a:r>
               <a:rPr lang="ja-JP" altLang="en-US" dirty="0" smtClean="0"/>
-              <a:t>内部の標準</a:t>
-            </a:r>
+              <a:t>内部の標準形式変換</a:t>
+            </a:r>
+            <a:endParaRPr lang="en-US" altLang="ja-JP" dirty="0" smtClean="0"/>
+          </a:p>
+          <a:p>
             <a:r>
               <a:rPr lang="ja-JP" altLang="en-US" dirty="0" smtClean="0"/>
-              <a:t>形式変換</a:t>
-            </a:r>
-            <a:endParaRPr lang="en-US" altLang="ja-JP" dirty="0" smtClean="0"/>
-          </a:p>
-          <a:p>
-            <a:r>
-              <a:rPr lang="ja-JP" altLang="en-US" dirty="0" smtClean="0"/>
-              <a:t>標準</a:t>
-            </a:r>
-            <a:r>
-              <a:rPr lang="ja-JP" altLang="en-US" dirty="0" smtClean="0"/>
-              <a:t>形式トレースログの直接</a:t>
-            </a:r>
-            <a:r>
-              <a:rPr lang="ja-JP" altLang="en-US" dirty="0" smtClean="0"/>
-              <a:t>入力</a:t>
+              <a:t>標準形式トレースログの直接入力</a:t>
             </a:r>
             <a:endParaRPr lang="en-US" altLang="ja-JP" dirty="0" smtClean="0"/>
           </a:p>
@@ -10318,11 +10284,7 @@
           <a:p>
             <a:r>
               <a:rPr lang="ja-JP" altLang="en-US" dirty="0" smtClean="0"/>
-              <a:t>スクリプト</a:t>
-            </a:r>
-            <a:r>
-              <a:rPr lang="ja-JP" altLang="en-US" dirty="0" smtClean="0"/>
-              <a:t>拡張機能を用いた変換</a:t>
+              <a:t>スクリプト拡張機能を用いた変換</a:t>
             </a:r>
             <a:endParaRPr lang="en-US" altLang="ja-JP" dirty="0" smtClean="0"/>
           </a:p>
@@ -11880,23 +11842,15 @@
             <a:pPr lvl="1"/>
             <a:r>
               <a:rPr lang="ja-JP" altLang="en-US" dirty="0" smtClean="0"/>
-              <a:t>標準</a:t>
-            </a:r>
+              <a:t>標準形式トレースログファイルの直接入力機能</a:t>
+            </a:r>
+            <a:endParaRPr lang="en-US" altLang="ja-JP" dirty="0" smtClean="0"/>
+          </a:p>
+          <a:p>
+            <a:pPr lvl="1"/>
             <a:r>
               <a:rPr lang="ja-JP" altLang="en-US" dirty="0" smtClean="0"/>
-              <a:t>形式トレースログファイルの直接入力機能</a:t>
-            </a:r>
-            <a:endParaRPr lang="en-US" altLang="ja-JP" dirty="0" smtClean="0"/>
-          </a:p>
-          <a:p>
-            <a:pPr lvl="1"/>
-            <a:r>
-              <a:rPr lang="ja-JP" altLang="en-US" dirty="0" smtClean="0"/>
-              <a:t>スクリプト</a:t>
-            </a:r>
-            <a:r>
-              <a:rPr lang="ja-JP" altLang="en-US" dirty="0" smtClean="0"/>
-              <a:t>拡張機能を用いた外部変換</a:t>
+              <a:t>スクリプト拡張機能を用いた外部変換</a:t>
             </a:r>
             <a:endParaRPr lang="en-US" altLang="ja-JP" dirty="0" smtClean="0"/>
           </a:p>
@@ -11907,11 +11861,7 @@
           <a:p>
             <a:r>
               <a:rPr lang="ja-JP" altLang="en-US" dirty="0" smtClean="0"/>
-              <a:t>この機能を用いる利点は以下の通りです</a:t>
-            </a:r>
-            <a:r>
-              <a:rPr lang="ja-JP" altLang="en-US" dirty="0" smtClean="0"/>
-              <a:t>．</a:t>
+              <a:t>この機能を用いる利点は以下の通りです．</a:t>
             </a:r>
             <a:endParaRPr lang="en-US" altLang="ja-JP" dirty="0" smtClean="0"/>
           </a:p>
@@ -12039,11 +11989,7 @@
             </a:r>
             <a:r>
               <a:rPr lang="ja-JP" altLang="en-US" dirty="0" smtClean="0"/>
-              <a:t>内部の</a:t>
-            </a:r>
-            <a:r>
-              <a:rPr lang="ja-JP" altLang="en-US" dirty="0" smtClean="0"/>
-              <a:t>標準形式変換</a:t>
+              <a:t>内部の標準形式変換</a:t>
             </a:r>
           </a:p>
         </p:txBody>
@@ -12318,7 +12264,7 @@
           <a:graphicData uri="http://schemas.openxmlformats.org/presentationml/2006/ole">
             <mc:AlternateContent xmlns:mc="http://schemas.openxmlformats.org/markup-compatibility/2006">
               <mc:Choice xmlns:v="urn:schemas-microsoft-com:vml" Requires="v">
-                <p:oleObj spid="_x0000_s6197" name="Image" r:id="rId4" imgW="5168254" imgH="5155556" progId="">
+                <p:oleObj spid="_x0000_s6198" name="Image" r:id="rId4" imgW="5168254" imgH="5155556" progId="">
                   <p:embed/>
                 </p:oleObj>
               </mc:Choice>
@@ -13444,11 +13390,7 @@
           <a:p>
             <a:r>
               <a:rPr lang="ja-JP" altLang="en-US" dirty="0" smtClean="0"/>
-              <a:t>標準</a:t>
-            </a:r>
-            <a:r>
-              <a:rPr lang="ja-JP" altLang="en-US" dirty="0" smtClean="0"/>
-              <a:t>形式トレースログファイルの直接入力機能</a:t>
+              <a:t>標準形式トレースログファイルの直接入力機能</a:t>
             </a:r>
           </a:p>
         </p:txBody>
@@ -13578,19 +13520,7 @@
           <a:p>
             <a:r>
               <a:rPr lang="ja-JP" altLang="en-US" dirty="0" smtClean="0"/>
-              <a:t>標準</a:t>
-            </a:r>
-            <a:r>
-              <a:rPr lang="ja-JP" altLang="en-US" dirty="0" smtClean="0"/>
-              <a:t>形式トレースログ</a:t>
-            </a:r>
-            <a:r>
-              <a:rPr lang="ja-JP" altLang="en-US" dirty="0" smtClean="0"/>
-              <a:t>を直接読み込む</a:t>
-            </a:r>
-            <a:r>
-              <a:rPr lang="ja-JP" altLang="en-US" dirty="0" smtClean="0"/>
-              <a:t>ことができる機能</a:t>
+              <a:t>標準形式トレースログを直接読み込むことができる機能</a:t>
             </a:r>
             <a:endParaRPr lang="en-US" altLang="ja-JP" dirty="0" smtClean="0"/>
           </a:p>
@@ -13606,17 +13536,12 @@
             </a:r>
             <a:r>
               <a:rPr lang="ja-JP" altLang="en-US" dirty="0" smtClean="0"/>
-              <a:t>の処理の高速化が</a:t>
-            </a:r>
-            <a:r>
-              <a:rPr lang="ja-JP" altLang="en-US" dirty="0" smtClean="0"/>
-              <a:t>可能</a:t>
+              <a:t>の処理の高速化が可能</a:t>
             </a:r>
             <a:r>
               <a:rPr lang="en-US" altLang="ja-JP" dirty="0" smtClean="0"/>
               <a:t>)</a:t>
             </a:r>
-            <a:endParaRPr lang="en-US" altLang="ja-JP" dirty="0" smtClean="0"/>
           </a:p>
           <a:p>
             <a:pPr lvl="1"/>
@@ -14347,7 +14272,7 @@
           <a:graphicData uri="http://schemas.openxmlformats.org/presentationml/2006/ole">
             <mc:AlternateContent xmlns:mc="http://schemas.openxmlformats.org/markup-compatibility/2006">
               <mc:Choice xmlns:v="urn:schemas-microsoft-com:vml" Requires="v">
-                <p:oleObj spid="_x0000_s8240" name="Image" r:id="rId3" imgW="5168254" imgH="5155556" progId="">
+                <p:oleObj spid="_x0000_s8241" name="Image" r:id="rId3" imgW="5168254" imgH="5155556" progId="">
                   <p:embed/>
                 </p:oleObj>
               </mc:Choice>
@@ -14470,7 +14395,6 @@
               <a:rPr lang="ja-JP" altLang="en-US" dirty="0"/>
               <a:t>使用方法</a:t>
             </a:r>
-            <a:endParaRPr lang="ja-JP" altLang="en-US" dirty="0"/>
           </a:p>
         </p:txBody>
       </p:sp>
@@ -14602,8 +14526,8 @@
         </p:nvSpPr>
         <p:spPr bwMode="auto">
           <a:xfrm>
-            <a:off x="395536" y="4077072"/>
-            <a:ext cx="1872208" cy="2304256"/>
+            <a:off x="1331640" y="3501008"/>
+            <a:ext cx="5688632" cy="2304256"/>
           </a:xfrm>
           <a:prstGeom prst="rect">
             <a:avLst/>
@@ -14721,10 +14645,23 @@
                 <a:latin typeface="Times New Roman" pitchFamily="18" charset="0"/>
                 <a:ea typeface="ＭＳ ゴシック" pitchFamily="49" charset="-128"/>
               </a:rPr>
-              <a:t>	"</a:t>
+              <a:t>	</a:t>
+            </a:r>
+            <a:r>
+              <a:rPr lang="en-US" altLang="ja-JP" sz="2000" dirty="0">
+                <a:solidFill>
+                  <a:srgbClr val="FF0000"/>
+                </a:solidFill>
+                <a:latin typeface="Times New Roman" pitchFamily="18" charset="0"/>
+                <a:ea typeface="ＭＳ ゴシック" pitchFamily="49" charset="-128"/>
+              </a:rPr>
+              <a:t>"</a:t>
             </a:r>
             <a:r>
               <a:rPr lang="en-US" altLang="ja-JP" sz="2000" dirty="0" err="1">
+                <a:solidFill>
+                  <a:srgbClr val="FF0000"/>
+                </a:solidFill>
                 <a:latin typeface="Times New Roman" pitchFamily="18" charset="0"/>
                 <a:ea typeface="ＭＳ ゴシック" pitchFamily="49" charset="-128"/>
               </a:rPr>
@@ -14732,25 +14669,31 @@
             </a:r>
             <a:r>
               <a:rPr lang="en-US" altLang="ja-JP" sz="2000" dirty="0">
-                <a:latin typeface="Times New Roman" pitchFamily="18" charset="0"/>
-                <a:ea typeface="ＭＳ ゴシック" pitchFamily="49" charset="-128"/>
-              </a:rPr>
-              <a:t>"   :["</a:t>
-            </a:r>
-            <a:r>
-              <a:rPr lang="en-US" altLang="ja-JP" sz="2000" dirty="0" err="1">
-                <a:latin typeface="Times New Roman" pitchFamily="18" charset="0"/>
-                <a:ea typeface="ＭＳ ゴシック" pitchFamily="49" charset="-128"/>
-              </a:rPr>
-              <a:t>asp_script</a:t>
-            </a:r>
-            <a:r>
-              <a:rPr lang="en-US" altLang="ja-JP" sz="2000" dirty="0">
-                <a:latin typeface="Times New Roman" pitchFamily="18" charset="0"/>
-                <a:ea typeface="ＭＳ ゴシック" pitchFamily="49" charset="-128"/>
-              </a:rPr>
-              <a:t>"],</a:t>
-            </a:r>
+                <a:solidFill>
+                  <a:srgbClr val="FF0000"/>
+                </a:solidFill>
+                <a:latin typeface="Times New Roman" pitchFamily="18" charset="0"/>
+                <a:ea typeface="ＭＳ ゴシック" pitchFamily="49" charset="-128"/>
+              </a:rPr>
+              <a:t>"   </a:t>
+            </a:r>
+            <a:r>
+              <a:rPr lang="en-US" altLang="ja-JP" sz="2000" dirty="0" smtClean="0">
+                <a:solidFill>
+                  <a:srgbClr val="FF0000"/>
+                </a:solidFill>
+                <a:latin typeface="Times New Roman" pitchFamily="18" charset="0"/>
+                <a:ea typeface="ＭＳ ゴシック" pitchFamily="49" charset="-128"/>
+              </a:rPr>
+              <a:t>:[""],</a:t>
+            </a:r>
+            <a:endParaRPr lang="en-US" altLang="ja-JP" sz="2000" dirty="0">
+              <a:solidFill>
+                <a:srgbClr val="FF0000"/>
+              </a:solidFill>
+              <a:latin typeface="Times New Roman" pitchFamily="18" charset="0"/>
+              <a:ea typeface="ＭＳ ゴシック" pitchFamily="49" charset="-128"/>
+            </a:endParaRPr>
           </a:p>
           <a:p>
             <a:pPr>
@@ -14855,6 +14798,167 @@
               <a:latin typeface="Times New Roman" pitchFamily="18" charset="0"/>
               <a:ea typeface="ＭＳ ゴシック" pitchFamily="49" charset="-128"/>
             </a:endParaRPr>
+          </a:p>
+        </p:txBody>
+      </p:sp>
+      <p:sp>
+        <p:nvSpPr>
+          <p:cNvPr id="6" name="テキスト ボックス 4"/>
+          <p:cNvSpPr txBox="1">
+            <a:spLocks noChangeArrowheads="1"/>
+          </p:cNvSpPr>
+          <p:nvPr/>
+        </p:nvSpPr>
+        <p:spPr bwMode="auto">
+          <a:xfrm>
+            <a:off x="2483681" y="5969327"/>
+            <a:ext cx="3384550" cy="369332"/>
+          </a:xfrm>
+          <a:prstGeom prst="rect">
+            <a:avLst/>
+          </a:prstGeom>
+          <a:noFill/>
+          <a:ln>
+            <a:noFill/>
+          </a:ln>
+          <a:extLst>
+            <a:ext uri="{909E8E84-426E-40DD-AFC4-6F175D3DCCD1}">
+              <a14:hiddenFill xmlns:a14="http://schemas.microsoft.com/office/drawing/2010/main">
+                <a:solidFill>
+                  <a:srgbClr val="FFFFFF"/>
+                </a:solidFill>
+              </a14:hiddenFill>
+            </a:ext>
+            <a:ext uri="{91240B29-F687-4F45-9708-019B960494DF}">
+              <a14:hiddenLine xmlns:a14="http://schemas.microsoft.com/office/drawing/2010/main" w="9525">
+                <a:solidFill>
+                  <a:srgbClr val="000000"/>
+                </a:solidFill>
+                <a:miter lim="800000"/>
+                <a:headEnd/>
+                <a:tailEnd/>
+              </a14:hiddenLine>
+            </a:ext>
+          </a:extLst>
+        </p:spPr>
+        <p:txBody>
+          <a:bodyPr>
+            <a:spAutoFit/>
+          </a:bodyPr>
+          <a:lstStyle>
+            <a:lvl1pPr eaLnBrk="0" hangingPunct="0">
+              <a:defRPr kumimoji="1">
+                <a:solidFill>
+                  <a:schemeClr val="tx1"/>
+                </a:solidFill>
+                <a:latin typeface="Arial" pitchFamily="34" charset="0"/>
+                <a:ea typeface="ＭＳ Ｐゴシック" pitchFamily="50" charset="-128"/>
+              </a:defRPr>
+            </a:lvl1pPr>
+            <a:lvl2pPr marL="742950" indent="-285750" eaLnBrk="0" hangingPunct="0">
+              <a:defRPr kumimoji="1">
+                <a:solidFill>
+                  <a:schemeClr val="tx1"/>
+                </a:solidFill>
+                <a:latin typeface="Arial" pitchFamily="34" charset="0"/>
+                <a:ea typeface="ＭＳ Ｐゴシック" pitchFamily="50" charset="-128"/>
+              </a:defRPr>
+            </a:lvl2pPr>
+            <a:lvl3pPr marL="1143000" indent="-228600" eaLnBrk="0" hangingPunct="0">
+              <a:defRPr kumimoji="1">
+                <a:solidFill>
+                  <a:schemeClr val="tx1"/>
+                </a:solidFill>
+                <a:latin typeface="Arial" pitchFamily="34" charset="0"/>
+                <a:ea typeface="ＭＳ Ｐゴシック" pitchFamily="50" charset="-128"/>
+              </a:defRPr>
+            </a:lvl3pPr>
+            <a:lvl4pPr marL="1600200" indent="-228600" eaLnBrk="0" hangingPunct="0">
+              <a:defRPr kumimoji="1">
+                <a:solidFill>
+                  <a:schemeClr val="tx1"/>
+                </a:solidFill>
+                <a:latin typeface="Arial" pitchFamily="34" charset="0"/>
+                <a:ea typeface="ＭＳ Ｐゴシック" pitchFamily="50" charset="-128"/>
+              </a:defRPr>
+            </a:lvl4pPr>
+            <a:lvl5pPr marL="2057400" indent="-228600" eaLnBrk="0" hangingPunct="0">
+              <a:defRPr kumimoji="1">
+                <a:solidFill>
+                  <a:schemeClr val="tx1"/>
+                </a:solidFill>
+                <a:latin typeface="Arial" pitchFamily="34" charset="0"/>
+                <a:ea typeface="ＭＳ Ｐゴシック" pitchFamily="50" charset="-128"/>
+              </a:defRPr>
+            </a:lvl5pPr>
+            <a:lvl6pPr marL="2514600" indent="-228600" eaLnBrk="0" fontAlgn="base" hangingPunct="0">
+              <a:spcBef>
+                <a:spcPct val="0"/>
+              </a:spcBef>
+              <a:spcAft>
+                <a:spcPct val="0"/>
+              </a:spcAft>
+              <a:defRPr kumimoji="1">
+                <a:solidFill>
+                  <a:schemeClr val="tx1"/>
+                </a:solidFill>
+                <a:latin typeface="Arial" pitchFamily="34" charset="0"/>
+                <a:ea typeface="ＭＳ Ｐゴシック" pitchFamily="50" charset="-128"/>
+              </a:defRPr>
+            </a:lvl6pPr>
+            <a:lvl7pPr marL="2971800" indent="-228600" eaLnBrk="0" fontAlgn="base" hangingPunct="0">
+              <a:spcBef>
+                <a:spcPct val="0"/>
+              </a:spcBef>
+              <a:spcAft>
+                <a:spcPct val="0"/>
+              </a:spcAft>
+              <a:defRPr kumimoji="1">
+                <a:solidFill>
+                  <a:schemeClr val="tx1"/>
+                </a:solidFill>
+                <a:latin typeface="Arial" pitchFamily="34" charset="0"/>
+                <a:ea typeface="ＭＳ Ｐゴシック" pitchFamily="50" charset="-128"/>
+              </a:defRPr>
+            </a:lvl7pPr>
+            <a:lvl8pPr marL="3429000" indent="-228600" eaLnBrk="0" fontAlgn="base" hangingPunct="0">
+              <a:spcBef>
+                <a:spcPct val="0"/>
+              </a:spcBef>
+              <a:spcAft>
+                <a:spcPct val="0"/>
+              </a:spcAft>
+              <a:defRPr kumimoji="1">
+                <a:solidFill>
+                  <a:schemeClr val="tx1"/>
+                </a:solidFill>
+                <a:latin typeface="Arial" pitchFamily="34" charset="0"/>
+                <a:ea typeface="ＭＳ Ｐゴシック" pitchFamily="50" charset="-128"/>
+              </a:defRPr>
+            </a:lvl8pPr>
+            <a:lvl9pPr marL="3886200" indent="-228600" eaLnBrk="0" fontAlgn="base" hangingPunct="0">
+              <a:spcBef>
+                <a:spcPct val="0"/>
+              </a:spcBef>
+              <a:spcAft>
+                <a:spcPct val="0"/>
+              </a:spcAft>
+              <a:defRPr kumimoji="1">
+                <a:solidFill>
+                  <a:schemeClr val="tx1"/>
+                </a:solidFill>
+                <a:latin typeface="Arial" pitchFamily="34" charset="0"/>
+                <a:ea typeface="ＭＳ Ｐゴシック" pitchFamily="50" charset="-128"/>
+              </a:defRPr>
+            </a:lvl9pPr>
+          </a:lstStyle>
+          <a:p>
+            <a:pPr algn="ctr" eaLnBrk="1" hangingPunct="1"/>
+            <a:r>
+              <a:rPr lang="ja-JP" altLang="en-US" dirty="0" smtClean="0"/>
+              <a:t>リソースファイルの設定例</a:t>
+            </a:r>
+            <a:endParaRPr lang="en-US" altLang="ja-JP" dirty="0"/>
           </a:p>
         </p:txBody>
       </p:sp>
@@ -14956,11 +15060,7 @@
             </a:r>
             <a:r>
               <a:rPr lang="ja-JP" altLang="en-US" sz="2200" dirty="0" smtClean="0"/>
-              <a:t>を変換</a:t>
-            </a:r>
-            <a:r>
-              <a:rPr lang="ja-JP" altLang="en-US" sz="2200" dirty="0" smtClean="0"/>
-              <a:t>する実例を紹介します</a:t>
+              <a:t>を変換する実例を紹介します</a:t>
             </a:r>
             <a:endParaRPr lang="en-US" altLang="ja-JP" sz="2200" dirty="0" smtClean="0"/>
           </a:p>
@@ -15012,7 +15112,6 @@
               <a:rPr lang="en-US" altLang="ja-JP" sz="2200" dirty="0" smtClean="0"/>
               <a:t>asp_short_standard_format.res</a:t>
             </a:r>
-            <a:endParaRPr lang="en-US" altLang="ja-JP" sz="2200" dirty="0" smtClean="0"/>
           </a:p>
           <a:p>
             <a:pPr lvl="1"/>

--- a/trunk/doc/converter_manual.pptx
+++ b/trunk/doc/converter_manual.pptx
@@ -1057,7 +1057,7 @@
           <a:graphicData uri="http://schemas.openxmlformats.org/presentationml/2006/ole">
             <mc:AlternateContent xmlns:mc="http://schemas.openxmlformats.org/markup-compatibility/2006">
               <mc:Choice xmlns:v="urn:schemas-microsoft-com:vml" Requires="v">
-                <p:oleObj spid="_x0000_s29730" name="Image" r:id="rId3" imgW="12190476" imgH="431594" progId="">
+                <p:oleObj spid="_x0000_s29731" name="Image" r:id="rId3" imgW="12190476" imgH="431594" progId="">
                   <p:embed/>
                 </p:oleObj>
               </mc:Choice>
@@ -3830,7 +3830,7 @@
           <a:graphicData uri="http://schemas.openxmlformats.org/presentationml/2006/ole">
             <mc:AlternateContent xmlns:mc="http://schemas.openxmlformats.org/markup-compatibility/2006">
               <mc:Choice xmlns:v="urn:schemas-microsoft-com:vml" Requires="v">
-                <p:oleObj spid="_x0000_s1064" name="Image" r:id="rId14" imgW="12190476" imgH="431594" progId="">
+                <p:oleObj spid="_x0000_s1065" name="Image" r:id="rId14" imgW="12190476" imgH="431594" progId="">
                   <p:embed/>
                 </p:oleObj>
               </mc:Choice>
@@ -4766,7 +4766,7 @@
         <p:spPr bwMode="auto">
           <a:xfrm>
             <a:off x="5580063" y="908050"/>
-            <a:ext cx="3270250" cy="315913"/>
+            <a:ext cx="3270250" cy="340735"/>
           </a:xfrm>
           <a:prstGeom prst="rect">
             <a:avLst/>
@@ -4931,16 +4931,16 @@
               <a:t>最終更新日 </a:t>
             </a:r>
             <a:r>
-              <a:rPr lang="en-US" altLang="ja-JP" sz="1600" dirty="0">
+              <a:rPr lang="en-US" altLang="ja-JP" sz="1600">
                 <a:latin typeface="ＭＳ ゴシック" pitchFamily="49" charset="-128"/>
               </a:rPr>
               <a:t>: </a:t>
             </a:r>
             <a:r>
-              <a:rPr lang="en-US" altLang="ja-JP" sz="1600" dirty="0" smtClean="0">
+              <a:rPr lang="en-US" altLang="ja-JP" sz="1600" smtClean="0">
                 <a:latin typeface="ＭＳ ゴシック" pitchFamily="49" charset="-128"/>
               </a:rPr>
-              <a:t>2012/02/22</a:t>
+              <a:t>2012/03/23</a:t>
             </a:r>
             <a:endParaRPr lang="ja-JP" altLang="en-US" sz="1600" dirty="0">
               <a:latin typeface="ＭＳ ゴシック" pitchFamily="49" charset="-128"/>
@@ -6628,7 +6628,7 @@
           <a:graphicData uri="http://schemas.openxmlformats.org/presentationml/2006/ole">
             <mc:AlternateContent xmlns:mc="http://schemas.openxmlformats.org/markup-compatibility/2006">
               <mc:Choice xmlns:v="urn:schemas-microsoft-com:vml" Requires="v">
-                <p:oleObj spid="_x0000_s16438" name="Image" r:id="rId3" imgW="5168254" imgH="5155556" progId="">
+                <p:oleObj spid="_x0000_s16439" name="Image" r:id="rId3" imgW="5168254" imgH="5155556" progId="">
                   <p:embed/>
                 </p:oleObj>
               </mc:Choice>
@@ -7985,7 +7985,6 @@
               <a:rPr lang="en-US" altLang="ja-JP" sz="2200" dirty="0" smtClean="0"/>
               <a:t>/asp_converter2.rb</a:t>
             </a:r>
-            <a:endParaRPr lang="en-US" altLang="ja-JP" sz="2200" dirty="0" smtClean="0"/>
           </a:p>
           <a:p>
             <a:pPr marL="714375" lvl="2" indent="0">
@@ -8005,11 +8004,7 @@
             </a:r>
             <a:r>
               <a:rPr lang="ja-JP" altLang="en-US" sz="2200" dirty="0" smtClean="0"/>
-              <a:t>を使用</a:t>
-            </a:r>
-            <a:r>
-              <a:rPr lang="ja-JP" altLang="en-US" sz="2200" dirty="0" smtClean="0"/>
-              <a:t>します</a:t>
+              <a:t>を使用します</a:t>
             </a:r>
             <a:endParaRPr lang="en-US" altLang="ja-JP" sz="2200" dirty="0" smtClean="0"/>
           </a:p>
@@ -9279,7 +9274,17 @@
                 <a:latin typeface="Times New Roman" pitchFamily="18" charset="0"/>
                 <a:ea typeface="ＭＳ ゴシック" pitchFamily="49" charset="-128"/>
               </a:rPr>
-              <a:t>パス</a:t>
+              <a:t>パスの指定は，</a:t>
+            </a:r>
+            <a:r>
+              <a:rPr lang="en-US" altLang="ja-JP" dirty="0" smtClean="0">
+                <a:solidFill>
+                  <a:schemeClr val="tx1"/>
+                </a:solidFill>
+                <a:latin typeface="Times New Roman" pitchFamily="18" charset="0"/>
+                <a:ea typeface="ＭＳ ゴシック" pitchFamily="49" charset="-128"/>
+              </a:rPr>
+              <a:t>\</a:t>
             </a:r>
             <a:r>
               <a:rPr lang="ja-JP" altLang="en-US" dirty="0" smtClean="0">
@@ -9289,7 +9294,7 @@
                 <a:latin typeface="Times New Roman" pitchFamily="18" charset="0"/>
                 <a:ea typeface="ＭＳ ゴシック" pitchFamily="49" charset="-128"/>
               </a:rPr>
-              <a:t>の指定は，</a:t>
+              <a:t>ではなく</a:t>
             </a:r>
             <a:r>
               <a:rPr lang="en-US" altLang="ja-JP" dirty="0" smtClean="0">
@@ -9299,7 +9304,7 @@
                 <a:latin typeface="Times New Roman" pitchFamily="18" charset="0"/>
                 <a:ea typeface="ＭＳ ゴシック" pitchFamily="49" charset="-128"/>
               </a:rPr>
-              <a:t>\</a:t>
+              <a:t>/</a:t>
             </a:r>
             <a:r>
               <a:rPr lang="ja-JP" altLang="en-US" dirty="0" smtClean="0">
@@ -9309,37 +9314,7 @@
                 <a:latin typeface="Times New Roman" pitchFamily="18" charset="0"/>
                 <a:ea typeface="ＭＳ ゴシック" pitchFamily="49" charset="-128"/>
               </a:rPr>
-              <a:t>ではなく</a:t>
-            </a:r>
-            <a:r>
-              <a:rPr lang="en-US" altLang="ja-JP" dirty="0" smtClean="0">
-                <a:solidFill>
-                  <a:schemeClr val="tx1"/>
-                </a:solidFill>
-                <a:latin typeface="Times New Roman" pitchFamily="18" charset="0"/>
-                <a:ea typeface="ＭＳ ゴシック" pitchFamily="49" charset="-128"/>
-              </a:rPr>
-              <a:t>/</a:t>
-            </a:r>
-            <a:r>
-              <a:rPr lang="ja-JP" altLang="en-US" dirty="0" smtClean="0">
-                <a:solidFill>
-                  <a:schemeClr val="tx1"/>
-                </a:solidFill>
-                <a:latin typeface="Times New Roman" pitchFamily="18" charset="0"/>
-                <a:ea typeface="ＭＳ ゴシック" pitchFamily="49" charset="-128"/>
-              </a:rPr>
-              <a:t>で行う</a:t>
-            </a:r>
-            <a:r>
-              <a:rPr lang="ja-JP" altLang="en-US" dirty="0" smtClean="0">
-                <a:solidFill>
-                  <a:schemeClr val="tx1"/>
-                </a:solidFill>
-                <a:latin typeface="Times New Roman" pitchFamily="18" charset="0"/>
-                <a:ea typeface="ＭＳ ゴシック" pitchFamily="49" charset="-128"/>
-              </a:rPr>
-              <a:t>こと</a:t>
+              <a:t>で行うこと</a:t>
             </a:r>
             <a:endParaRPr lang="en-US" altLang="ja-JP" dirty="0" smtClean="0">
               <a:solidFill>
@@ -12264,7 +12239,7 @@
           <a:graphicData uri="http://schemas.openxmlformats.org/presentationml/2006/ole">
             <mc:AlternateContent xmlns:mc="http://schemas.openxmlformats.org/markup-compatibility/2006">
               <mc:Choice xmlns:v="urn:schemas-microsoft-com:vml" Requires="v">
-                <p:oleObj spid="_x0000_s6198" name="Image" r:id="rId4" imgW="5168254" imgH="5155556" progId="">
+                <p:oleObj spid="_x0000_s6199" name="Image" r:id="rId4" imgW="5168254" imgH="5155556" progId="">
                   <p:embed/>
                 </p:oleObj>
               </mc:Choice>
@@ -14272,7 +14247,7 @@
           <a:graphicData uri="http://schemas.openxmlformats.org/presentationml/2006/ole">
             <mc:AlternateContent xmlns:mc="http://schemas.openxmlformats.org/markup-compatibility/2006">
               <mc:Choice xmlns:v="urn:schemas-microsoft-com:vml" Requires="v">
-                <p:oleObj spid="_x0000_s8241" name="Image" r:id="rId3" imgW="5168254" imgH="5155556" progId="">
+                <p:oleObj spid="_x0000_s8242" name="Image" r:id="rId3" imgW="5168254" imgH="5155556" progId="">
                   <p:embed/>
                 </p:oleObj>
               </mc:Choice>
